--- a/Java-Backend-Developer-Mock-Interviews/mock1/Java Backend Developer Mock Interviews.pptx
+++ b/Java-Backend-Developer-Mock-Interviews/mock1/Java Backend Developer Mock Interviews.pptx
@@ -5,52 +5,41 @@
     <p:sldMasterId id="2147483648" r:id="rId1"/>
   </p:sldMasterIdLst>
   <p:notesMasterIdLst>
-    <p:notesMasterId r:id="rId45"/>
+    <p:notesMasterId r:id="rId34"/>
   </p:notesMasterIdLst>
   <p:sldIdLst>
     <p:sldId id="256" r:id="rId2"/>
-    <p:sldId id="300" r:id="rId3"/>
-    <p:sldId id="257" r:id="rId4"/>
-    <p:sldId id="258" r:id="rId5"/>
-    <p:sldId id="259" r:id="rId6"/>
-    <p:sldId id="260" r:id="rId7"/>
-    <p:sldId id="261" r:id="rId8"/>
-    <p:sldId id="262" r:id="rId9"/>
-    <p:sldId id="263" r:id="rId10"/>
-    <p:sldId id="264" r:id="rId11"/>
-    <p:sldId id="265" r:id="rId12"/>
-    <p:sldId id="266" r:id="rId13"/>
-    <p:sldId id="267" r:id="rId14"/>
-    <p:sldId id="268" r:id="rId15"/>
-    <p:sldId id="269" r:id="rId16"/>
-    <p:sldId id="270" r:id="rId17"/>
-    <p:sldId id="271" r:id="rId18"/>
-    <p:sldId id="272" r:id="rId19"/>
-    <p:sldId id="273" r:id="rId20"/>
-    <p:sldId id="274" r:id="rId21"/>
-    <p:sldId id="275" r:id="rId22"/>
-    <p:sldId id="276" r:id="rId23"/>
-    <p:sldId id="277" r:id="rId24"/>
-    <p:sldId id="278" r:id="rId25"/>
-    <p:sldId id="280" r:id="rId26"/>
-    <p:sldId id="281" r:id="rId27"/>
-    <p:sldId id="283" r:id="rId28"/>
-    <p:sldId id="284" r:id="rId29"/>
-    <p:sldId id="282" r:id="rId30"/>
-    <p:sldId id="285" r:id="rId31"/>
-    <p:sldId id="288" r:id="rId32"/>
-    <p:sldId id="295" r:id="rId33"/>
-    <p:sldId id="297" r:id="rId34"/>
-    <p:sldId id="298" r:id="rId35"/>
-    <p:sldId id="299" r:id="rId36"/>
-    <p:sldId id="301" r:id="rId37"/>
-    <p:sldId id="290" r:id="rId38"/>
-    <p:sldId id="291" r:id="rId39"/>
-    <p:sldId id="292" r:id="rId40"/>
-    <p:sldId id="293" r:id="rId41"/>
-    <p:sldId id="294" r:id="rId42"/>
-    <p:sldId id="289" r:id="rId43"/>
-    <p:sldId id="286" r:id="rId44"/>
+    <p:sldId id="257" r:id="rId3"/>
+    <p:sldId id="258" r:id="rId4"/>
+    <p:sldId id="259" r:id="rId5"/>
+    <p:sldId id="260" r:id="rId6"/>
+    <p:sldId id="261" r:id="rId7"/>
+    <p:sldId id="262" r:id="rId8"/>
+    <p:sldId id="263" r:id="rId9"/>
+    <p:sldId id="264" r:id="rId10"/>
+    <p:sldId id="265" r:id="rId11"/>
+    <p:sldId id="266" r:id="rId12"/>
+    <p:sldId id="267" r:id="rId13"/>
+    <p:sldId id="268" r:id="rId14"/>
+    <p:sldId id="269" r:id="rId15"/>
+    <p:sldId id="270" r:id="rId16"/>
+    <p:sldId id="271" r:id="rId17"/>
+    <p:sldId id="272" r:id="rId18"/>
+    <p:sldId id="273" r:id="rId19"/>
+    <p:sldId id="274" r:id="rId20"/>
+    <p:sldId id="275" r:id="rId21"/>
+    <p:sldId id="276" r:id="rId22"/>
+    <p:sldId id="277" r:id="rId23"/>
+    <p:sldId id="278" r:id="rId24"/>
+    <p:sldId id="300" r:id="rId25"/>
+    <p:sldId id="301" r:id="rId26"/>
+    <p:sldId id="290" r:id="rId27"/>
+    <p:sldId id="291" r:id="rId28"/>
+    <p:sldId id="292" r:id="rId29"/>
+    <p:sldId id="293" r:id="rId30"/>
+    <p:sldId id="294" r:id="rId31"/>
+    <p:sldId id="289" r:id="rId32"/>
+    <p:sldId id="286" r:id="rId33"/>
   </p:sldIdLst>
   <p:sldSz cx="12192000" cy="6858000"/>
   <p:notesSz cx="6858000" cy="9144000"/>
@@ -239,7 +228,7 @@
           <a:p>
             <a:fld id="{1F57978C-2F1F-411F-9AE2-8E9AB911447A}" type="datetimeFigureOut">
               <a:rPr lang="en-US" smtClean="0"/>
-              <a:t>7/21/2024</a:t>
+              <a:t>8/4/2024</a:t>
             </a:fld>
             <a:endParaRPr lang="en-US"/>
           </a:p>
@@ -571,7 +560,7 @@
           <a:p>
             <a:fld id="{7EE3E420-222C-4680-B5D1-5F3DA5ED7F81}" type="slidenum">
               <a:rPr lang="en-US" smtClean="0"/>
-              <a:t>5</a:t>
+              <a:t>4</a:t>
             </a:fld>
             <a:endParaRPr lang="en-US"/>
           </a:p>
@@ -739,7 +728,7 @@
           <a:p>
             <a:fld id="{614C4D3C-8AE3-D941-9FD4-187EDDC090CB}" type="datetimeFigureOut">
               <a:rPr lang="en-US" smtClean="0"/>
-              <a:t>7/21/2024</a:t>
+              <a:t>8/4/2024</a:t>
             </a:fld>
             <a:endParaRPr lang="en-US"/>
           </a:p>
@@ -951,7 +940,7 @@
           <a:p>
             <a:fld id="{614C4D3C-8AE3-D941-9FD4-187EDDC090CB}" type="datetimeFigureOut">
               <a:rPr lang="en-US" smtClean="0"/>
-              <a:t>7/21/2024</a:t>
+              <a:t>8/4/2024</a:t>
             </a:fld>
             <a:endParaRPr lang="en-US"/>
           </a:p>
@@ -1173,7 +1162,7 @@
           <a:p>
             <a:fld id="{614C4D3C-8AE3-D941-9FD4-187EDDC090CB}" type="datetimeFigureOut">
               <a:rPr lang="en-US" smtClean="0"/>
-              <a:t>7/21/2024</a:t>
+              <a:t>8/4/2024</a:t>
             </a:fld>
             <a:endParaRPr lang="en-US"/>
           </a:p>
@@ -1385,7 +1374,7 @@
           <a:p>
             <a:fld id="{614C4D3C-8AE3-D941-9FD4-187EDDC090CB}" type="datetimeFigureOut">
               <a:rPr lang="en-US" smtClean="0"/>
-              <a:t>7/21/2024</a:t>
+              <a:t>8/4/2024</a:t>
             </a:fld>
             <a:endParaRPr lang="en-US"/>
           </a:p>
@@ -1673,7 +1662,7 @@
           <a:p>
             <a:fld id="{614C4D3C-8AE3-D941-9FD4-187EDDC090CB}" type="datetimeFigureOut">
               <a:rPr lang="en-US" smtClean="0"/>
-              <a:t>7/21/2024</a:t>
+              <a:t>8/4/2024</a:t>
             </a:fld>
             <a:endParaRPr lang="en-US"/>
           </a:p>
@@ -1953,7 +1942,7 @@
           <a:p>
             <a:fld id="{614C4D3C-8AE3-D941-9FD4-187EDDC090CB}" type="datetimeFigureOut">
               <a:rPr lang="en-US" smtClean="0"/>
-              <a:t>7/21/2024</a:t>
+              <a:t>8/4/2024</a:t>
             </a:fld>
             <a:endParaRPr lang="en-US"/>
           </a:p>
@@ -2380,7 +2369,7 @@
           <a:p>
             <a:fld id="{614C4D3C-8AE3-D941-9FD4-187EDDC090CB}" type="datetimeFigureOut">
               <a:rPr lang="en-US" smtClean="0"/>
-              <a:t>7/21/2024</a:t>
+              <a:t>8/4/2024</a:t>
             </a:fld>
             <a:endParaRPr lang="en-US"/>
           </a:p>
@@ -2534,7 +2523,7 @@
           <a:p>
             <a:fld id="{614C4D3C-8AE3-D941-9FD4-187EDDC090CB}" type="datetimeFigureOut">
               <a:rPr lang="en-US" smtClean="0"/>
-              <a:t>7/21/2024</a:t>
+              <a:t>8/4/2024</a:t>
             </a:fld>
             <a:endParaRPr lang="en-US"/>
           </a:p>
@@ -2659,7 +2648,7 @@
           <a:p>
             <a:fld id="{614C4D3C-8AE3-D941-9FD4-187EDDC090CB}" type="datetimeFigureOut">
               <a:rPr lang="en-US" smtClean="0"/>
-              <a:t>7/21/2024</a:t>
+              <a:t>8/4/2024</a:t>
             </a:fld>
             <a:endParaRPr lang="en-US"/>
           </a:p>
@@ -2984,7 +2973,7 @@
           <a:p>
             <a:fld id="{614C4D3C-8AE3-D941-9FD4-187EDDC090CB}" type="datetimeFigureOut">
               <a:rPr lang="en-US" smtClean="0"/>
-              <a:t>7/21/2024</a:t>
+              <a:t>8/4/2024</a:t>
             </a:fld>
             <a:endParaRPr lang="en-US"/>
           </a:p>
@@ -3285,7 +3274,7 @@
           <a:p>
             <a:fld id="{614C4D3C-8AE3-D941-9FD4-187EDDC090CB}" type="datetimeFigureOut">
               <a:rPr lang="en-US" smtClean="0"/>
-              <a:t>7/21/2024</a:t>
+              <a:t>8/4/2024</a:t>
             </a:fld>
             <a:endParaRPr lang="en-US"/>
           </a:p>
@@ -3540,7 +3529,7 @@
           <a:p>
             <a:fld id="{614C4D3C-8AE3-D941-9FD4-187EDDC090CB}" type="datetimeFigureOut">
               <a:rPr lang="en-US" smtClean="0"/>
-              <a:t>7/21/2024</a:t>
+              <a:t>8/4/2024</a:t>
             </a:fld>
             <a:endParaRPr lang="en-US"/>
           </a:p>
@@ -4539,7 +4528,7 @@
         <p:spPr/>
         <p:txBody>
           <a:bodyPr>
-            <a:normAutofit fontScale="90000"/>
+            <a:normAutofit/>
           </a:bodyPr>
           <a:lstStyle/>
           <a:p>
@@ -4549,7 +4538,7 @@
                 <a:latin typeface="Times New Roman" panose="02020603050405020304" pitchFamily="18" charset="0"/>
                 <a:cs typeface="Times New Roman" panose="02020603050405020304" pitchFamily="18" charset="0"/>
               </a:rPr>
-              <a:t>7. Write a Java method to check if a given string is a palindrome.</a:t>
+              <a:t>8. How would you reverse a linked list in Java?</a:t>
             </a:r>
             <a:br>
               <a:rPr lang="en-US" sz="3200" b="1" u="sng" dirty="0">
@@ -4592,7 +4581,7 @@
     </p:spTree>
     <p:extLst>
       <p:ext uri="{BB962C8B-B14F-4D97-AF65-F5344CB8AC3E}">
-        <p14:creationId xmlns:p14="http://schemas.microsoft.com/office/powerpoint/2010/main" val="1609777527"/>
+        <p14:creationId xmlns:p14="http://schemas.microsoft.com/office/powerpoint/2010/main" val="1533921839"/>
       </p:ext>
     </p:extLst>
   </p:cSld>
@@ -4650,7 +4639,7 @@
         <p:spPr/>
         <p:txBody>
           <a:bodyPr>
-            <a:normAutofit/>
+            <a:normAutofit fontScale="90000"/>
           </a:bodyPr>
           <a:lstStyle/>
           <a:p>
@@ -4660,7 +4649,7 @@
                 <a:latin typeface="Times New Roman" panose="02020603050405020304" pitchFamily="18" charset="0"/>
                 <a:cs typeface="Times New Roman" panose="02020603050405020304" pitchFamily="18" charset="0"/>
               </a:rPr>
-              <a:t>8. How would you reverse a linked list in Java?</a:t>
+              <a:t>9. What is dependency injection and how is it implemented in Spring?</a:t>
             </a:r>
             <a:br>
               <a:rPr lang="en-US" sz="3200" b="1" u="sng" dirty="0">
@@ -4703,7 +4692,7 @@
     </p:spTree>
     <p:extLst>
       <p:ext uri="{BB962C8B-B14F-4D97-AF65-F5344CB8AC3E}">
-        <p14:creationId xmlns:p14="http://schemas.microsoft.com/office/powerpoint/2010/main" val="1533921839"/>
+        <p14:creationId xmlns:p14="http://schemas.microsoft.com/office/powerpoint/2010/main" val="1116746686"/>
       </p:ext>
     </p:extLst>
   </p:cSld>
@@ -4771,7 +4760,7 @@
                 <a:latin typeface="Times New Roman" panose="02020603050405020304" pitchFamily="18" charset="0"/>
                 <a:cs typeface="Times New Roman" panose="02020603050405020304" pitchFamily="18" charset="0"/>
               </a:rPr>
-              <a:t>9. What is dependency injection and how is it implemented in Spring?</a:t>
+              <a:t>10. Explain the difference between @Component, @Repository, @Service, and @Controller annotations in Spring.</a:t>
             </a:r>
             <a:br>
               <a:rPr lang="en-US" sz="3200" b="1" u="sng" dirty="0">
@@ -4807,14 +4796,14 @@
           <a:bodyPr/>
           <a:lstStyle/>
           <a:p>
-            <a:endParaRPr lang="en-US"/>
+            <a:endParaRPr lang="en-US" dirty="0"/>
           </a:p>
         </p:txBody>
       </p:sp>
     </p:spTree>
     <p:extLst>
       <p:ext uri="{BB962C8B-B14F-4D97-AF65-F5344CB8AC3E}">
-        <p14:creationId xmlns:p14="http://schemas.microsoft.com/office/powerpoint/2010/main" val="1116746686"/>
+        <p14:creationId xmlns:p14="http://schemas.microsoft.com/office/powerpoint/2010/main" val="216450094"/>
       </p:ext>
     </p:extLst>
   </p:cSld>
@@ -4882,7 +4871,7 @@
                 <a:latin typeface="Times New Roman" panose="02020603050405020304" pitchFamily="18" charset="0"/>
                 <a:cs typeface="Times New Roman" panose="02020603050405020304" pitchFamily="18" charset="0"/>
               </a:rPr>
-              <a:t>10. Explain the difference between @Component, @Repository, @Service, and @Controller annotations in Spring.</a:t>
+              <a:t>11. How does Spring Boot simplify application development compared to Spring Framework?</a:t>
             </a:r>
             <a:br>
               <a:rPr lang="en-US" sz="3200" b="1" u="sng" dirty="0">
@@ -4918,14 +4907,14 @@
           <a:bodyPr/>
           <a:lstStyle/>
           <a:p>
-            <a:endParaRPr lang="en-US" dirty="0"/>
+            <a:endParaRPr lang="en-US"/>
           </a:p>
         </p:txBody>
       </p:sp>
     </p:spTree>
     <p:extLst>
       <p:ext uri="{BB962C8B-B14F-4D97-AF65-F5344CB8AC3E}">
-        <p14:creationId xmlns:p14="http://schemas.microsoft.com/office/powerpoint/2010/main" val="216450094"/>
+        <p14:creationId xmlns:p14="http://schemas.microsoft.com/office/powerpoint/2010/main" val="212934601"/>
       </p:ext>
     </p:extLst>
   </p:cSld>
@@ -4993,7 +4982,7 @@
                 <a:latin typeface="Times New Roman" panose="02020603050405020304" pitchFamily="18" charset="0"/>
                 <a:cs typeface="Times New Roman" panose="02020603050405020304" pitchFamily="18" charset="0"/>
               </a:rPr>
-              <a:t>11. How does Spring Boot simplify application development compared to Spring Framework?</a:t>
+              <a:t>12. Explain the difference between SQL and NoSQL databases.</a:t>
             </a:r>
             <a:br>
               <a:rPr lang="en-US" sz="3200" b="1" u="sng" dirty="0">
@@ -5036,7 +5025,7 @@
     </p:spTree>
     <p:extLst>
       <p:ext uri="{BB962C8B-B14F-4D97-AF65-F5344CB8AC3E}">
-        <p14:creationId xmlns:p14="http://schemas.microsoft.com/office/powerpoint/2010/main" val="212934601"/>
+        <p14:creationId xmlns:p14="http://schemas.microsoft.com/office/powerpoint/2010/main" val="1203161394"/>
       </p:ext>
     </p:extLst>
   </p:cSld>
@@ -5104,7 +5093,7 @@
                 <a:latin typeface="Times New Roman" panose="02020603050405020304" pitchFamily="18" charset="0"/>
                 <a:cs typeface="Times New Roman" panose="02020603050405020304" pitchFamily="18" charset="0"/>
               </a:rPr>
-              <a:t>12. Explain the difference between SQL and NoSQL databases.</a:t>
+              <a:t>13. What is an ORM and how does JPA/Hibernate work in a Spring application?</a:t>
             </a:r>
             <a:br>
               <a:rPr lang="en-US" sz="3200" b="1" u="sng" dirty="0">
@@ -5147,7 +5136,7 @@
     </p:spTree>
     <p:extLst>
       <p:ext uri="{BB962C8B-B14F-4D97-AF65-F5344CB8AC3E}">
-        <p14:creationId xmlns:p14="http://schemas.microsoft.com/office/powerpoint/2010/main" val="1203161394"/>
+        <p14:creationId xmlns:p14="http://schemas.microsoft.com/office/powerpoint/2010/main" val="2647458468"/>
       </p:ext>
     </p:extLst>
   </p:cSld>
@@ -5215,7 +5204,7 @@
                 <a:latin typeface="Times New Roman" panose="02020603050405020304" pitchFamily="18" charset="0"/>
                 <a:cs typeface="Times New Roman" panose="02020603050405020304" pitchFamily="18" charset="0"/>
               </a:rPr>
-              <a:t>13. What is an ORM and how does JPA/Hibernate work in a Spring application?</a:t>
+              <a:t>14. Write a basic SQL query to find all employees whose salary is greater than a certain amount.</a:t>
             </a:r>
             <a:br>
               <a:rPr lang="en-US" sz="3200" b="1" u="sng" dirty="0">
@@ -5258,7 +5247,7 @@
     </p:spTree>
     <p:extLst>
       <p:ext uri="{BB962C8B-B14F-4D97-AF65-F5344CB8AC3E}">
-        <p14:creationId xmlns:p14="http://schemas.microsoft.com/office/powerpoint/2010/main" val="2647458468"/>
+        <p14:creationId xmlns:p14="http://schemas.microsoft.com/office/powerpoint/2010/main" val="3063246952"/>
       </p:ext>
     </p:extLst>
   </p:cSld>
@@ -5326,7 +5315,7 @@
                 <a:latin typeface="Times New Roman" panose="02020603050405020304" pitchFamily="18" charset="0"/>
                 <a:cs typeface="Times New Roman" panose="02020603050405020304" pitchFamily="18" charset="0"/>
               </a:rPr>
-              <a:t>14. Write a basic SQL query to find all employees whose salary is greater than a certain amount.</a:t>
+              <a:t>15. What are the main principles of microservices architecture?</a:t>
             </a:r>
             <a:br>
               <a:rPr lang="en-US" sz="3200" b="1" u="sng" dirty="0">
@@ -5369,7 +5358,7 @@
     </p:spTree>
     <p:extLst>
       <p:ext uri="{BB962C8B-B14F-4D97-AF65-F5344CB8AC3E}">
-        <p14:creationId xmlns:p14="http://schemas.microsoft.com/office/powerpoint/2010/main" val="3063246952"/>
+        <p14:creationId xmlns:p14="http://schemas.microsoft.com/office/powerpoint/2010/main" val="2928160330"/>
       </p:ext>
     </p:extLst>
   </p:cSld>
@@ -5437,7 +5426,7 @@
                 <a:latin typeface="Times New Roman" panose="02020603050405020304" pitchFamily="18" charset="0"/>
                 <a:cs typeface="Times New Roman" panose="02020603050405020304" pitchFamily="18" charset="0"/>
               </a:rPr>
-              <a:t>15. What are the main principles of microservices architecture?</a:t>
+              <a:t>16. How do you handle versioning in RESTful web services?</a:t>
             </a:r>
             <a:br>
               <a:rPr lang="en-US" sz="3200" b="1" u="sng" dirty="0">
@@ -5480,7 +5469,7 @@
     </p:spTree>
     <p:extLst>
       <p:ext uri="{BB962C8B-B14F-4D97-AF65-F5344CB8AC3E}">
-        <p14:creationId xmlns:p14="http://schemas.microsoft.com/office/powerpoint/2010/main" val="2928160330"/>
+        <p14:creationId xmlns:p14="http://schemas.microsoft.com/office/powerpoint/2010/main" val="2285406332"/>
       </p:ext>
     </p:extLst>
   </p:cSld>
@@ -5548,7 +5537,7 @@
                 <a:latin typeface="Times New Roman" panose="02020603050405020304" pitchFamily="18" charset="0"/>
                 <a:cs typeface="Times New Roman" panose="02020603050405020304" pitchFamily="18" charset="0"/>
               </a:rPr>
-              <a:t>16. How do you handle versioning in RESTful web services?</a:t>
+              <a:t>17. Explain how you can secure a REST API in Spring Boot.</a:t>
             </a:r>
             <a:br>
               <a:rPr lang="en-US" sz="3200" b="1" u="sng" dirty="0">
@@ -5591,7 +5580,7 @@
     </p:spTree>
     <p:extLst>
       <p:ext uri="{BB962C8B-B14F-4D97-AF65-F5344CB8AC3E}">
-        <p14:creationId xmlns:p14="http://schemas.microsoft.com/office/powerpoint/2010/main" val="2285406332"/>
+        <p14:creationId xmlns:p14="http://schemas.microsoft.com/office/powerpoint/2010/main" val="2098006672"/>
       </p:ext>
     </p:extLst>
   </p:cSld>
@@ -5614,6 +5603,561 @@
 </file>
 
 <file path=ppt/slides/slide2.xml><?xml version="1.0" encoding="utf-8"?>
+<p:sld xmlns:a="http://schemas.openxmlformats.org/drawingml/2006/main" xmlns:r="http://schemas.openxmlformats.org/officeDocument/2006/relationships" xmlns:p="http://schemas.openxmlformats.org/presentationml/2006/main">
+  <p:cSld>
+    <p:spTree>
+      <p:nvGrpSpPr>
+        <p:cNvPr id="1" name=""/>
+        <p:cNvGrpSpPr/>
+        <p:nvPr/>
+      </p:nvGrpSpPr>
+      <p:grpSpPr>
+        <a:xfrm>
+          <a:off x="0" y="0"/>
+          <a:ext cx="0" cy="0"/>
+          <a:chOff x="0" y="0"/>
+          <a:chExt cx="0" cy="0"/>
+        </a:xfrm>
+      </p:grpSpPr>
+      <p:sp>
+        <p:nvSpPr>
+          <p:cNvPr id="2" name="Title 1">
+            <a:extLst>
+              <a:ext uri="{FF2B5EF4-FFF2-40B4-BE49-F238E27FC236}">
+                <a16:creationId xmlns:a16="http://schemas.microsoft.com/office/drawing/2014/main" id="{2B9D77B2-5894-0BA5-A295-57724DE12CE8}"/>
+              </a:ext>
+            </a:extLst>
+          </p:cNvPr>
+          <p:cNvSpPr>
+            <a:spLocks noGrp="1"/>
+          </p:cNvSpPr>
+          <p:nvPr>
+            <p:ph type="title"/>
+          </p:nvPr>
+        </p:nvSpPr>
+        <p:spPr/>
+        <p:txBody>
+          <a:bodyPr/>
+          <a:lstStyle/>
+          <a:p>
+            <a:pPr algn="ctr"/>
+            <a:r>
+              <a:rPr lang="en-US" b="1" u="sng" dirty="0">
+                <a:latin typeface="Times New Roman" panose="02020603050405020304" pitchFamily="18" charset="0"/>
+                <a:cs typeface="Times New Roman" panose="02020603050405020304" pitchFamily="18" charset="0"/>
+              </a:rPr>
+              <a:t>1. Introduction</a:t>
+            </a:r>
+          </a:p>
+        </p:txBody>
+      </p:sp>
+      <p:sp>
+        <p:nvSpPr>
+          <p:cNvPr id="3" name="Content Placeholder 2">
+            <a:extLst>
+              <a:ext uri="{FF2B5EF4-FFF2-40B4-BE49-F238E27FC236}">
+                <a16:creationId xmlns:a16="http://schemas.microsoft.com/office/drawing/2014/main" id="{0CB371D9-BBA1-6EA8-6F78-B50F006C1413}"/>
+              </a:ext>
+            </a:extLst>
+          </p:cNvPr>
+          <p:cNvSpPr>
+            <a:spLocks noGrp="1"/>
+          </p:cNvSpPr>
+          <p:nvPr>
+            <p:ph idx="1"/>
+          </p:nvPr>
+        </p:nvSpPr>
+        <p:spPr/>
+        <p:txBody>
+          <a:bodyPr/>
+          <a:lstStyle/>
+          <a:p>
+            <a:endParaRPr lang="en-US" dirty="0"/>
+          </a:p>
+        </p:txBody>
+      </p:sp>
+    </p:spTree>
+    <p:extLst>
+      <p:ext uri="{BB962C8B-B14F-4D97-AF65-F5344CB8AC3E}">
+        <p14:creationId xmlns:p14="http://schemas.microsoft.com/office/powerpoint/2010/main" val="1756172755"/>
+      </p:ext>
+    </p:extLst>
+  </p:cSld>
+  <p:clrMapOvr>
+    <a:masterClrMapping/>
+  </p:clrMapOvr>
+  <mc:AlternateContent xmlns:mc="http://schemas.openxmlformats.org/markup-compatibility/2006" xmlns:p14="http://schemas.microsoft.com/office/powerpoint/2010/main">
+    <mc:Choice Requires="p14">
+      <p:transition spd="slow" p14:dur="1500">
+        <p:split orient="vert"/>
+      </p:transition>
+    </mc:Choice>
+    <mc:Fallback xmlns="">
+      <p:transition spd="slow">
+        <p:split orient="vert"/>
+      </p:transition>
+    </mc:Fallback>
+  </mc:AlternateContent>
+</p:sld>
+</file>
+
+<file path=ppt/slides/slide20.xml><?xml version="1.0" encoding="utf-8"?>
+<p:sld xmlns:a="http://schemas.openxmlformats.org/drawingml/2006/main" xmlns:r="http://schemas.openxmlformats.org/officeDocument/2006/relationships" xmlns:p="http://schemas.openxmlformats.org/presentationml/2006/main">
+  <p:cSld>
+    <p:spTree>
+      <p:nvGrpSpPr>
+        <p:cNvPr id="1" name=""/>
+        <p:cNvGrpSpPr/>
+        <p:nvPr/>
+      </p:nvGrpSpPr>
+      <p:grpSpPr>
+        <a:xfrm>
+          <a:off x="0" y="0"/>
+          <a:ext cx="0" cy="0"/>
+          <a:chOff x="0" y="0"/>
+          <a:chExt cx="0" cy="0"/>
+        </a:xfrm>
+      </p:grpSpPr>
+      <p:sp>
+        <p:nvSpPr>
+          <p:cNvPr id="2" name="Title 1">
+            <a:extLst>
+              <a:ext uri="{FF2B5EF4-FFF2-40B4-BE49-F238E27FC236}">
+                <a16:creationId xmlns:a16="http://schemas.microsoft.com/office/drawing/2014/main" id="{1DB18763-3769-B419-0629-4E1AA5B94F74}"/>
+              </a:ext>
+            </a:extLst>
+          </p:cNvPr>
+          <p:cNvSpPr>
+            <a:spLocks noGrp="1"/>
+          </p:cNvSpPr>
+          <p:nvPr>
+            <p:ph type="title"/>
+          </p:nvPr>
+        </p:nvSpPr>
+        <p:spPr/>
+        <p:txBody>
+          <a:bodyPr>
+            <a:normAutofit/>
+          </a:bodyPr>
+          <a:lstStyle/>
+          <a:p>
+            <a:pPr algn="ctr"/>
+            <a:r>
+              <a:rPr lang="en-US" sz="3200" b="1" u="sng" dirty="0">
+                <a:latin typeface="Times New Roman" panose="02020603050405020304" pitchFamily="18" charset="0"/>
+                <a:cs typeface="Times New Roman" panose="02020603050405020304" pitchFamily="18" charset="0"/>
+              </a:rPr>
+              <a:t>18. What is Apache Kafka and what are its main use cases?</a:t>
+            </a:r>
+            <a:br>
+              <a:rPr lang="en-US" sz="3200" b="1" u="sng" dirty="0">
+                <a:latin typeface="Times New Roman" panose="02020603050405020304" pitchFamily="18" charset="0"/>
+                <a:cs typeface="Times New Roman" panose="02020603050405020304" pitchFamily="18" charset="0"/>
+              </a:rPr>
+            </a:br>
+            <a:endParaRPr lang="en-US" sz="3200" b="1" u="sng" dirty="0">
+              <a:latin typeface="Times New Roman" panose="02020603050405020304" pitchFamily="18" charset="0"/>
+              <a:cs typeface="Times New Roman" panose="02020603050405020304" pitchFamily="18" charset="0"/>
+            </a:endParaRPr>
+          </a:p>
+        </p:txBody>
+      </p:sp>
+      <p:sp>
+        <p:nvSpPr>
+          <p:cNvPr id="3" name="Content Placeholder 2">
+            <a:extLst>
+              <a:ext uri="{FF2B5EF4-FFF2-40B4-BE49-F238E27FC236}">
+                <a16:creationId xmlns:a16="http://schemas.microsoft.com/office/drawing/2014/main" id="{919C9A71-DFAE-E47C-7397-6705161BA2F5}"/>
+              </a:ext>
+            </a:extLst>
+          </p:cNvPr>
+          <p:cNvSpPr>
+            <a:spLocks noGrp="1"/>
+          </p:cNvSpPr>
+          <p:nvPr>
+            <p:ph idx="1"/>
+          </p:nvPr>
+        </p:nvSpPr>
+        <p:spPr/>
+        <p:txBody>
+          <a:bodyPr/>
+          <a:lstStyle/>
+          <a:p>
+            <a:endParaRPr lang="en-US"/>
+          </a:p>
+        </p:txBody>
+      </p:sp>
+    </p:spTree>
+    <p:extLst>
+      <p:ext uri="{BB962C8B-B14F-4D97-AF65-F5344CB8AC3E}">
+        <p14:creationId xmlns:p14="http://schemas.microsoft.com/office/powerpoint/2010/main" val="950167440"/>
+      </p:ext>
+    </p:extLst>
+  </p:cSld>
+  <p:clrMapOvr>
+    <a:masterClrMapping/>
+  </p:clrMapOvr>
+  <mc:AlternateContent xmlns:mc="http://schemas.openxmlformats.org/markup-compatibility/2006" xmlns:p14="http://schemas.microsoft.com/office/powerpoint/2010/main">
+    <mc:Choice Requires="p14">
+      <p:transition spd="slow" p14:dur="1500">
+        <p:split orient="vert"/>
+      </p:transition>
+    </mc:Choice>
+    <mc:Fallback xmlns="">
+      <p:transition spd="slow">
+        <p:split orient="vert"/>
+      </p:transition>
+    </mc:Fallback>
+  </mc:AlternateContent>
+</p:sld>
+</file>
+
+<file path=ppt/slides/slide21.xml><?xml version="1.0" encoding="utf-8"?>
+<p:sld xmlns:a="http://schemas.openxmlformats.org/drawingml/2006/main" xmlns:r="http://schemas.openxmlformats.org/officeDocument/2006/relationships" xmlns:p="http://schemas.openxmlformats.org/presentationml/2006/main">
+  <p:cSld>
+    <p:spTree>
+      <p:nvGrpSpPr>
+        <p:cNvPr id="1" name=""/>
+        <p:cNvGrpSpPr/>
+        <p:nvPr/>
+      </p:nvGrpSpPr>
+      <p:grpSpPr>
+        <a:xfrm>
+          <a:off x="0" y="0"/>
+          <a:ext cx="0" cy="0"/>
+          <a:chOff x="0" y="0"/>
+          <a:chExt cx="0" cy="0"/>
+        </a:xfrm>
+      </p:grpSpPr>
+      <p:sp>
+        <p:nvSpPr>
+          <p:cNvPr id="2" name="Title 1">
+            <a:extLst>
+              <a:ext uri="{FF2B5EF4-FFF2-40B4-BE49-F238E27FC236}">
+                <a16:creationId xmlns:a16="http://schemas.microsoft.com/office/drawing/2014/main" id="{1DB18763-3769-B419-0629-4E1AA5B94F74}"/>
+              </a:ext>
+            </a:extLst>
+          </p:cNvPr>
+          <p:cNvSpPr>
+            <a:spLocks noGrp="1"/>
+          </p:cNvSpPr>
+          <p:nvPr>
+            <p:ph type="title"/>
+          </p:nvPr>
+        </p:nvSpPr>
+        <p:spPr/>
+        <p:txBody>
+          <a:bodyPr>
+            <a:normAutofit fontScale="90000"/>
+          </a:bodyPr>
+          <a:lstStyle/>
+          <a:p>
+            <a:pPr algn="ctr"/>
+            <a:r>
+              <a:rPr lang="en-US" sz="3200" b="1" u="sng" dirty="0">
+                <a:latin typeface="Times New Roman" panose="02020603050405020304" pitchFamily="18" charset="0"/>
+                <a:cs typeface="Times New Roman" panose="02020603050405020304" pitchFamily="18" charset="0"/>
+              </a:rPr>
+              <a:t>19. How would you implement a simple producer-consumer model using Kafka in a Spring Boot application?</a:t>
+            </a:r>
+            <a:br>
+              <a:rPr lang="en-US" sz="3200" b="1" u="sng" dirty="0">
+                <a:latin typeface="Times New Roman" panose="02020603050405020304" pitchFamily="18" charset="0"/>
+                <a:cs typeface="Times New Roman" panose="02020603050405020304" pitchFamily="18" charset="0"/>
+              </a:rPr>
+            </a:br>
+            <a:br>
+              <a:rPr lang="en-US" sz="3200" b="1" u="sng" dirty="0">
+                <a:latin typeface="Times New Roman" panose="02020603050405020304" pitchFamily="18" charset="0"/>
+                <a:cs typeface="Times New Roman" panose="02020603050405020304" pitchFamily="18" charset="0"/>
+              </a:rPr>
+            </a:br>
+            <a:br>
+              <a:rPr lang="en-US" sz="3200" b="1" u="sng" dirty="0">
+                <a:latin typeface="Times New Roman" panose="02020603050405020304" pitchFamily="18" charset="0"/>
+                <a:cs typeface="Times New Roman" panose="02020603050405020304" pitchFamily="18" charset="0"/>
+              </a:rPr>
+            </a:br>
+            <a:endParaRPr lang="en-US" sz="3200" b="1" u="sng" dirty="0">
+              <a:latin typeface="Times New Roman" panose="02020603050405020304" pitchFamily="18" charset="0"/>
+              <a:cs typeface="Times New Roman" panose="02020603050405020304" pitchFamily="18" charset="0"/>
+            </a:endParaRPr>
+          </a:p>
+        </p:txBody>
+      </p:sp>
+      <p:sp>
+        <p:nvSpPr>
+          <p:cNvPr id="3" name="Content Placeholder 2">
+            <a:extLst>
+              <a:ext uri="{FF2B5EF4-FFF2-40B4-BE49-F238E27FC236}">
+                <a16:creationId xmlns:a16="http://schemas.microsoft.com/office/drawing/2014/main" id="{919C9A71-DFAE-E47C-7397-6705161BA2F5}"/>
+              </a:ext>
+            </a:extLst>
+          </p:cNvPr>
+          <p:cNvSpPr>
+            <a:spLocks noGrp="1"/>
+          </p:cNvSpPr>
+          <p:nvPr>
+            <p:ph idx="1"/>
+          </p:nvPr>
+        </p:nvSpPr>
+        <p:spPr/>
+        <p:txBody>
+          <a:bodyPr/>
+          <a:lstStyle/>
+          <a:p>
+            <a:endParaRPr lang="en-US"/>
+          </a:p>
+        </p:txBody>
+      </p:sp>
+    </p:spTree>
+    <p:extLst>
+      <p:ext uri="{BB962C8B-B14F-4D97-AF65-F5344CB8AC3E}">
+        <p14:creationId xmlns:p14="http://schemas.microsoft.com/office/powerpoint/2010/main" val="2146623140"/>
+      </p:ext>
+    </p:extLst>
+  </p:cSld>
+  <p:clrMapOvr>
+    <a:masterClrMapping/>
+  </p:clrMapOvr>
+  <mc:AlternateContent xmlns:mc="http://schemas.openxmlformats.org/markup-compatibility/2006" xmlns:p14="http://schemas.microsoft.com/office/powerpoint/2010/main">
+    <mc:Choice Requires="p14">
+      <p:transition spd="slow" p14:dur="1500">
+        <p:split orient="vert"/>
+      </p:transition>
+    </mc:Choice>
+    <mc:Fallback xmlns="">
+      <p:transition spd="slow">
+        <p:split orient="vert"/>
+      </p:transition>
+    </mc:Fallback>
+  </mc:AlternateContent>
+</p:sld>
+</file>
+
+<file path=ppt/slides/slide22.xml><?xml version="1.0" encoding="utf-8"?>
+<p:sld xmlns:a="http://schemas.openxmlformats.org/drawingml/2006/main" xmlns:r="http://schemas.openxmlformats.org/officeDocument/2006/relationships" xmlns:p="http://schemas.openxmlformats.org/presentationml/2006/main">
+  <p:cSld>
+    <p:spTree>
+      <p:nvGrpSpPr>
+        <p:cNvPr id="1" name=""/>
+        <p:cNvGrpSpPr/>
+        <p:nvPr/>
+      </p:nvGrpSpPr>
+      <p:grpSpPr>
+        <a:xfrm>
+          <a:off x="0" y="0"/>
+          <a:ext cx="0" cy="0"/>
+          <a:chOff x="0" y="0"/>
+          <a:chExt cx="0" cy="0"/>
+        </a:xfrm>
+      </p:grpSpPr>
+      <p:sp>
+        <p:nvSpPr>
+          <p:cNvPr id="2" name="Title 1">
+            <a:extLst>
+              <a:ext uri="{FF2B5EF4-FFF2-40B4-BE49-F238E27FC236}">
+                <a16:creationId xmlns:a16="http://schemas.microsoft.com/office/drawing/2014/main" id="{1DB18763-3769-B419-0629-4E1AA5B94F74}"/>
+              </a:ext>
+            </a:extLst>
+          </p:cNvPr>
+          <p:cNvSpPr>
+            <a:spLocks noGrp="1"/>
+          </p:cNvSpPr>
+          <p:nvPr>
+            <p:ph type="title"/>
+          </p:nvPr>
+        </p:nvSpPr>
+        <p:spPr/>
+        <p:txBody>
+          <a:bodyPr>
+            <a:normAutofit fontScale="90000"/>
+          </a:bodyPr>
+          <a:lstStyle/>
+          <a:p>
+            <a:pPr algn="ctr"/>
+            <a:r>
+              <a:rPr lang="en-US" sz="3200" b="1" u="sng" dirty="0">
+                <a:latin typeface="Times New Roman" panose="02020603050405020304" pitchFamily="18" charset="0"/>
+                <a:cs typeface="Times New Roman" panose="02020603050405020304" pitchFamily="18" charset="0"/>
+              </a:rPr>
+              <a:t>20. What are the differences between unit testing, integration testing, and system testing?</a:t>
+            </a:r>
+            <a:br>
+              <a:rPr lang="en-US" sz="3200" b="1" u="sng" dirty="0">
+                <a:latin typeface="Times New Roman" panose="02020603050405020304" pitchFamily="18" charset="0"/>
+                <a:cs typeface="Times New Roman" panose="02020603050405020304" pitchFamily="18" charset="0"/>
+              </a:rPr>
+            </a:br>
+            <a:endParaRPr lang="en-US" sz="3200" b="1" u="sng" dirty="0">
+              <a:latin typeface="Times New Roman" panose="02020603050405020304" pitchFamily="18" charset="0"/>
+              <a:cs typeface="Times New Roman" panose="02020603050405020304" pitchFamily="18" charset="0"/>
+            </a:endParaRPr>
+          </a:p>
+        </p:txBody>
+      </p:sp>
+      <p:sp>
+        <p:nvSpPr>
+          <p:cNvPr id="3" name="Content Placeholder 2">
+            <a:extLst>
+              <a:ext uri="{FF2B5EF4-FFF2-40B4-BE49-F238E27FC236}">
+                <a16:creationId xmlns:a16="http://schemas.microsoft.com/office/drawing/2014/main" id="{919C9A71-DFAE-E47C-7397-6705161BA2F5}"/>
+              </a:ext>
+            </a:extLst>
+          </p:cNvPr>
+          <p:cNvSpPr>
+            <a:spLocks noGrp="1"/>
+          </p:cNvSpPr>
+          <p:nvPr>
+            <p:ph idx="1"/>
+          </p:nvPr>
+        </p:nvSpPr>
+        <p:spPr/>
+        <p:txBody>
+          <a:bodyPr/>
+          <a:lstStyle/>
+          <a:p>
+            <a:endParaRPr lang="en-US"/>
+          </a:p>
+        </p:txBody>
+      </p:sp>
+    </p:spTree>
+    <p:extLst>
+      <p:ext uri="{BB962C8B-B14F-4D97-AF65-F5344CB8AC3E}">
+        <p14:creationId xmlns:p14="http://schemas.microsoft.com/office/powerpoint/2010/main" val="3075485092"/>
+      </p:ext>
+    </p:extLst>
+  </p:cSld>
+  <p:clrMapOvr>
+    <a:masterClrMapping/>
+  </p:clrMapOvr>
+  <mc:AlternateContent xmlns:mc="http://schemas.openxmlformats.org/markup-compatibility/2006" xmlns:p14="http://schemas.microsoft.com/office/powerpoint/2010/main">
+    <mc:Choice Requires="p14">
+      <p:transition spd="slow" p14:dur="1500">
+        <p:split orient="vert"/>
+      </p:transition>
+    </mc:Choice>
+    <mc:Fallback xmlns="">
+      <p:transition spd="slow">
+        <p:split orient="vert"/>
+      </p:transition>
+    </mc:Fallback>
+  </mc:AlternateContent>
+</p:sld>
+</file>
+
+<file path=ppt/slides/slide23.xml><?xml version="1.0" encoding="utf-8"?>
+<p:sld xmlns:a="http://schemas.openxmlformats.org/drawingml/2006/main" xmlns:r="http://schemas.openxmlformats.org/officeDocument/2006/relationships" xmlns:p="http://schemas.openxmlformats.org/presentationml/2006/main">
+  <p:cSld>
+    <p:spTree>
+      <p:nvGrpSpPr>
+        <p:cNvPr id="1" name=""/>
+        <p:cNvGrpSpPr/>
+        <p:nvPr/>
+      </p:nvGrpSpPr>
+      <p:grpSpPr>
+        <a:xfrm>
+          <a:off x="0" y="0"/>
+          <a:ext cx="0" cy="0"/>
+          <a:chOff x="0" y="0"/>
+          <a:chExt cx="0" cy="0"/>
+        </a:xfrm>
+      </p:grpSpPr>
+      <p:sp>
+        <p:nvSpPr>
+          <p:cNvPr id="2" name="Title 1">
+            <a:extLst>
+              <a:ext uri="{FF2B5EF4-FFF2-40B4-BE49-F238E27FC236}">
+                <a16:creationId xmlns:a16="http://schemas.microsoft.com/office/drawing/2014/main" id="{1DB18763-3769-B419-0629-4E1AA5B94F74}"/>
+              </a:ext>
+            </a:extLst>
+          </p:cNvPr>
+          <p:cNvSpPr>
+            <a:spLocks noGrp="1"/>
+          </p:cNvSpPr>
+          <p:nvPr>
+            <p:ph type="title"/>
+          </p:nvPr>
+        </p:nvSpPr>
+        <p:spPr/>
+        <p:txBody>
+          <a:bodyPr>
+            <a:normAutofit fontScale="90000"/>
+          </a:bodyPr>
+          <a:lstStyle/>
+          <a:p>
+            <a:pPr algn="ctr"/>
+            <a:r>
+              <a:rPr lang="en-US" sz="3200" b="1" u="sng" dirty="0">
+                <a:latin typeface="Times New Roman" panose="02020603050405020304" pitchFamily="18" charset="0"/>
+                <a:cs typeface="Times New Roman" panose="02020603050405020304" pitchFamily="18" charset="0"/>
+              </a:rPr>
+              <a:t>21. Explain how you would set up a CI/CD pipeline for a Java Spring Boot application.</a:t>
+            </a:r>
+            <a:br>
+              <a:rPr lang="en-US" sz="3200" b="1" u="sng" dirty="0">
+                <a:latin typeface="Times New Roman" panose="02020603050405020304" pitchFamily="18" charset="0"/>
+                <a:cs typeface="Times New Roman" panose="02020603050405020304" pitchFamily="18" charset="0"/>
+              </a:rPr>
+            </a:br>
+            <a:endParaRPr lang="en-US" sz="3200" b="1" u="sng" dirty="0">
+              <a:latin typeface="Times New Roman" panose="02020603050405020304" pitchFamily="18" charset="0"/>
+              <a:cs typeface="Times New Roman" panose="02020603050405020304" pitchFamily="18" charset="0"/>
+            </a:endParaRPr>
+          </a:p>
+        </p:txBody>
+      </p:sp>
+      <p:sp>
+        <p:nvSpPr>
+          <p:cNvPr id="3" name="Content Placeholder 2">
+            <a:extLst>
+              <a:ext uri="{FF2B5EF4-FFF2-40B4-BE49-F238E27FC236}">
+                <a16:creationId xmlns:a16="http://schemas.microsoft.com/office/drawing/2014/main" id="{919C9A71-DFAE-E47C-7397-6705161BA2F5}"/>
+              </a:ext>
+            </a:extLst>
+          </p:cNvPr>
+          <p:cNvSpPr>
+            <a:spLocks noGrp="1"/>
+          </p:cNvSpPr>
+          <p:nvPr>
+            <p:ph idx="1"/>
+          </p:nvPr>
+        </p:nvSpPr>
+        <p:spPr/>
+        <p:txBody>
+          <a:bodyPr/>
+          <a:lstStyle/>
+          <a:p>
+            <a:endParaRPr lang="en-US"/>
+          </a:p>
+        </p:txBody>
+      </p:sp>
+    </p:spTree>
+    <p:extLst>
+      <p:ext uri="{BB962C8B-B14F-4D97-AF65-F5344CB8AC3E}">
+        <p14:creationId xmlns:p14="http://schemas.microsoft.com/office/powerpoint/2010/main" val="757542607"/>
+      </p:ext>
+    </p:extLst>
+  </p:cSld>
+  <p:clrMapOvr>
+    <a:masterClrMapping/>
+  </p:clrMapOvr>
+  <mc:AlternateContent xmlns:mc="http://schemas.openxmlformats.org/markup-compatibility/2006" xmlns:p159="http://schemas.microsoft.com/office/powerpoint/2015/09/main">
+    <mc:Choice Requires="p159">
+      <p:transition xmlns:p14="http://schemas.microsoft.com/office/powerpoint/2010/main" spd="slow" p14:dur="2000">
+        <p159:morph option="byObject"/>
+      </p:transition>
+    </mc:Choice>
+    <mc:Fallback xmlns="">
+      <p:transition spd="slow">
+        <p:fade/>
+      </p:transition>
+    </mc:Fallback>
+  </mc:AlternateContent>
+</p:sld>
+</file>
+
+<file path=ppt/slides/slide24.xml><?xml version="1.0" encoding="utf-8"?>
 <p:sld xmlns:a="http://schemas.openxmlformats.org/drawingml/2006/main" xmlns:r="http://schemas.openxmlformats.org/officeDocument/2006/relationships" xmlns:p="http://schemas.openxmlformats.org/presentationml/2006/main">
   <p:cSld>
     <p:bg>
@@ -5781,7 +6325,7 @@
                 </a:highlight>
                 <a:latin typeface="Algerian" pitchFamily="82" charset="77"/>
               </a:rPr>
-              <a:t>Round1</a:t>
+              <a:t>Round2</a:t>
             </a:r>
             <a:r>
               <a:rPr lang="en-US" sz="4800" i="0" kern="1200" dirty="0">
@@ -6164,573 +6708,6 @@
 </p:sld>
 </file>
 
-<file path=ppt/slides/slide20.xml><?xml version="1.0" encoding="utf-8"?>
-<p:sld xmlns:a="http://schemas.openxmlformats.org/drawingml/2006/main" xmlns:r="http://schemas.openxmlformats.org/officeDocument/2006/relationships" xmlns:p="http://schemas.openxmlformats.org/presentationml/2006/main">
-  <p:cSld>
-    <p:spTree>
-      <p:nvGrpSpPr>
-        <p:cNvPr id="1" name=""/>
-        <p:cNvGrpSpPr/>
-        <p:nvPr/>
-      </p:nvGrpSpPr>
-      <p:grpSpPr>
-        <a:xfrm>
-          <a:off x="0" y="0"/>
-          <a:ext cx="0" cy="0"/>
-          <a:chOff x="0" y="0"/>
-          <a:chExt cx="0" cy="0"/>
-        </a:xfrm>
-      </p:grpSpPr>
-      <p:sp>
-        <p:nvSpPr>
-          <p:cNvPr id="2" name="Title 1">
-            <a:extLst>
-              <a:ext uri="{FF2B5EF4-FFF2-40B4-BE49-F238E27FC236}">
-                <a16:creationId xmlns:a16="http://schemas.microsoft.com/office/drawing/2014/main" id="{1DB18763-3769-B419-0629-4E1AA5B94F74}"/>
-              </a:ext>
-            </a:extLst>
-          </p:cNvPr>
-          <p:cNvSpPr>
-            <a:spLocks noGrp="1"/>
-          </p:cNvSpPr>
-          <p:nvPr>
-            <p:ph type="title"/>
-          </p:nvPr>
-        </p:nvSpPr>
-        <p:spPr/>
-        <p:txBody>
-          <a:bodyPr>
-            <a:normAutofit fontScale="90000"/>
-          </a:bodyPr>
-          <a:lstStyle/>
-          <a:p>
-            <a:pPr algn="ctr"/>
-            <a:r>
-              <a:rPr lang="en-US" sz="3200" b="1" u="sng" dirty="0">
-                <a:latin typeface="Times New Roman" panose="02020603050405020304" pitchFamily="18" charset="0"/>
-                <a:cs typeface="Times New Roman" panose="02020603050405020304" pitchFamily="18" charset="0"/>
-              </a:rPr>
-              <a:t>17. Explain how you can secure a REST API in Spring Boot.</a:t>
-            </a:r>
-            <a:br>
-              <a:rPr lang="en-US" sz="3200" b="1" u="sng" dirty="0">
-                <a:latin typeface="Times New Roman" panose="02020603050405020304" pitchFamily="18" charset="0"/>
-                <a:cs typeface="Times New Roman" panose="02020603050405020304" pitchFamily="18" charset="0"/>
-              </a:rPr>
-            </a:br>
-            <a:endParaRPr lang="en-US" sz="3200" b="1" u="sng" dirty="0">
-              <a:latin typeface="Times New Roman" panose="02020603050405020304" pitchFamily="18" charset="0"/>
-              <a:cs typeface="Times New Roman" panose="02020603050405020304" pitchFamily="18" charset="0"/>
-            </a:endParaRPr>
-          </a:p>
-        </p:txBody>
-      </p:sp>
-      <p:sp>
-        <p:nvSpPr>
-          <p:cNvPr id="3" name="Content Placeholder 2">
-            <a:extLst>
-              <a:ext uri="{FF2B5EF4-FFF2-40B4-BE49-F238E27FC236}">
-                <a16:creationId xmlns:a16="http://schemas.microsoft.com/office/drawing/2014/main" id="{919C9A71-DFAE-E47C-7397-6705161BA2F5}"/>
-              </a:ext>
-            </a:extLst>
-          </p:cNvPr>
-          <p:cNvSpPr>
-            <a:spLocks noGrp="1"/>
-          </p:cNvSpPr>
-          <p:nvPr>
-            <p:ph idx="1"/>
-          </p:nvPr>
-        </p:nvSpPr>
-        <p:spPr/>
-        <p:txBody>
-          <a:bodyPr/>
-          <a:lstStyle/>
-          <a:p>
-            <a:endParaRPr lang="en-US"/>
-          </a:p>
-        </p:txBody>
-      </p:sp>
-    </p:spTree>
-    <p:extLst>
-      <p:ext uri="{BB962C8B-B14F-4D97-AF65-F5344CB8AC3E}">
-        <p14:creationId xmlns:p14="http://schemas.microsoft.com/office/powerpoint/2010/main" val="2098006672"/>
-      </p:ext>
-    </p:extLst>
-  </p:cSld>
-  <p:clrMapOvr>
-    <a:masterClrMapping/>
-  </p:clrMapOvr>
-  <mc:AlternateContent xmlns:mc="http://schemas.openxmlformats.org/markup-compatibility/2006" xmlns:p14="http://schemas.microsoft.com/office/powerpoint/2010/main">
-    <mc:Choice Requires="p14">
-      <p:transition spd="slow" p14:dur="1500">
-        <p:split orient="vert"/>
-      </p:transition>
-    </mc:Choice>
-    <mc:Fallback xmlns="">
-      <p:transition spd="slow">
-        <p:split orient="vert"/>
-      </p:transition>
-    </mc:Fallback>
-  </mc:AlternateContent>
-</p:sld>
-</file>
-
-<file path=ppt/slides/slide21.xml><?xml version="1.0" encoding="utf-8"?>
-<p:sld xmlns:a="http://schemas.openxmlformats.org/drawingml/2006/main" xmlns:r="http://schemas.openxmlformats.org/officeDocument/2006/relationships" xmlns:p="http://schemas.openxmlformats.org/presentationml/2006/main">
-  <p:cSld>
-    <p:spTree>
-      <p:nvGrpSpPr>
-        <p:cNvPr id="1" name=""/>
-        <p:cNvGrpSpPr/>
-        <p:nvPr/>
-      </p:nvGrpSpPr>
-      <p:grpSpPr>
-        <a:xfrm>
-          <a:off x="0" y="0"/>
-          <a:ext cx="0" cy="0"/>
-          <a:chOff x="0" y="0"/>
-          <a:chExt cx="0" cy="0"/>
-        </a:xfrm>
-      </p:grpSpPr>
-      <p:sp>
-        <p:nvSpPr>
-          <p:cNvPr id="2" name="Title 1">
-            <a:extLst>
-              <a:ext uri="{FF2B5EF4-FFF2-40B4-BE49-F238E27FC236}">
-                <a16:creationId xmlns:a16="http://schemas.microsoft.com/office/drawing/2014/main" id="{1DB18763-3769-B419-0629-4E1AA5B94F74}"/>
-              </a:ext>
-            </a:extLst>
-          </p:cNvPr>
-          <p:cNvSpPr>
-            <a:spLocks noGrp="1"/>
-          </p:cNvSpPr>
-          <p:nvPr>
-            <p:ph type="title"/>
-          </p:nvPr>
-        </p:nvSpPr>
-        <p:spPr/>
-        <p:txBody>
-          <a:bodyPr>
-            <a:normAutofit/>
-          </a:bodyPr>
-          <a:lstStyle/>
-          <a:p>
-            <a:pPr algn="ctr"/>
-            <a:r>
-              <a:rPr lang="en-US" sz="3200" b="1" u="sng" dirty="0">
-                <a:latin typeface="Times New Roman" panose="02020603050405020304" pitchFamily="18" charset="0"/>
-                <a:cs typeface="Times New Roman" panose="02020603050405020304" pitchFamily="18" charset="0"/>
-              </a:rPr>
-              <a:t>18. What is Apache Kafka and what are its main use cases?</a:t>
-            </a:r>
-            <a:br>
-              <a:rPr lang="en-US" sz="3200" b="1" u="sng" dirty="0">
-                <a:latin typeface="Times New Roman" panose="02020603050405020304" pitchFamily="18" charset="0"/>
-                <a:cs typeface="Times New Roman" panose="02020603050405020304" pitchFamily="18" charset="0"/>
-              </a:rPr>
-            </a:br>
-            <a:endParaRPr lang="en-US" sz="3200" b="1" u="sng" dirty="0">
-              <a:latin typeface="Times New Roman" panose="02020603050405020304" pitchFamily="18" charset="0"/>
-              <a:cs typeface="Times New Roman" panose="02020603050405020304" pitchFamily="18" charset="0"/>
-            </a:endParaRPr>
-          </a:p>
-        </p:txBody>
-      </p:sp>
-      <p:sp>
-        <p:nvSpPr>
-          <p:cNvPr id="3" name="Content Placeholder 2">
-            <a:extLst>
-              <a:ext uri="{FF2B5EF4-FFF2-40B4-BE49-F238E27FC236}">
-                <a16:creationId xmlns:a16="http://schemas.microsoft.com/office/drawing/2014/main" id="{919C9A71-DFAE-E47C-7397-6705161BA2F5}"/>
-              </a:ext>
-            </a:extLst>
-          </p:cNvPr>
-          <p:cNvSpPr>
-            <a:spLocks noGrp="1"/>
-          </p:cNvSpPr>
-          <p:nvPr>
-            <p:ph idx="1"/>
-          </p:nvPr>
-        </p:nvSpPr>
-        <p:spPr/>
-        <p:txBody>
-          <a:bodyPr/>
-          <a:lstStyle/>
-          <a:p>
-            <a:endParaRPr lang="en-US"/>
-          </a:p>
-        </p:txBody>
-      </p:sp>
-    </p:spTree>
-    <p:extLst>
-      <p:ext uri="{BB962C8B-B14F-4D97-AF65-F5344CB8AC3E}">
-        <p14:creationId xmlns:p14="http://schemas.microsoft.com/office/powerpoint/2010/main" val="950167440"/>
-      </p:ext>
-    </p:extLst>
-  </p:cSld>
-  <p:clrMapOvr>
-    <a:masterClrMapping/>
-  </p:clrMapOvr>
-  <mc:AlternateContent xmlns:mc="http://schemas.openxmlformats.org/markup-compatibility/2006" xmlns:p14="http://schemas.microsoft.com/office/powerpoint/2010/main">
-    <mc:Choice Requires="p14">
-      <p:transition spd="slow" p14:dur="1500">
-        <p:split orient="vert"/>
-      </p:transition>
-    </mc:Choice>
-    <mc:Fallback xmlns="">
-      <p:transition spd="slow">
-        <p:split orient="vert"/>
-      </p:transition>
-    </mc:Fallback>
-  </mc:AlternateContent>
-</p:sld>
-</file>
-
-<file path=ppt/slides/slide22.xml><?xml version="1.0" encoding="utf-8"?>
-<p:sld xmlns:a="http://schemas.openxmlformats.org/drawingml/2006/main" xmlns:r="http://schemas.openxmlformats.org/officeDocument/2006/relationships" xmlns:p="http://schemas.openxmlformats.org/presentationml/2006/main">
-  <p:cSld>
-    <p:spTree>
-      <p:nvGrpSpPr>
-        <p:cNvPr id="1" name=""/>
-        <p:cNvGrpSpPr/>
-        <p:nvPr/>
-      </p:nvGrpSpPr>
-      <p:grpSpPr>
-        <a:xfrm>
-          <a:off x="0" y="0"/>
-          <a:ext cx="0" cy="0"/>
-          <a:chOff x="0" y="0"/>
-          <a:chExt cx="0" cy="0"/>
-        </a:xfrm>
-      </p:grpSpPr>
-      <p:sp>
-        <p:nvSpPr>
-          <p:cNvPr id="2" name="Title 1">
-            <a:extLst>
-              <a:ext uri="{FF2B5EF4-FFF2-40B4-BE49-F238E27FC236}">
-                <a16:creationId xmlns:a16="http://schemas.microsoft.com/office/drawing/2014/main" id="{1DB18763-3769-B419-0629-4E1AA5B94F74}"/>
-              </a:ext>
-            </a:extLst>
-          </p:cNvPr>
-          <p:cNvSpPr>
-            <a:spLocks noGrp="1"/>
-          </p:cNvSpPr>
-          <p:nvPr>
-            <p:ph type="title"/>
-          </p:nvPr>
-        </p:nvSpPr>
-        <p:spPr/>
-        <p:txBody>
-          <a:bodyPr>
-            <a:normAutofit fontScale="90000"/>
-          </a:bodyPr>
-          <a:lstStyle/>
-          <a:p>
-            <a:pPr algn="ctr"/>
-            <a:r>
-              <a:rPr lang="en-US" sz="3200" b="1" u="sng" dirty="0">
-                <a:latin typeface="Times New Roman" panose="02020603050405020304" pitchFamily="18" charset="0"/>
-                <a:cs typeface="Times New Roman" panose="02020603050405020304" pitchFamily="18" charset="0"/>
-              </a:rPr>
-              <a:t>19. How would you implement a simple producer-consumer model using Kafka in a Spring Boot application?</a:t>
-            </a:r>
-            <a:br>
-              <a:rPr lang="en-US" sz="3200" b="1" u="sng" dirty="0">
-                <a:latin typeface="Times New Roman" panose="02020603050405020304" pitchFamily="18" charset="0"/>
-                <a:cs typeface="Times New Roman" panose="02020603050405020304" pitchFamily="18" charset="0"/>
-              </a:rPr>
-            </a:br>
-            <a:br>
-              <a:rPr lang="en-US" sz="3200" b="1" u="sng" dirty="0">
-                <a:latin typeface="Times New Roman" panose="02020603050405020304" pitchFamily="18" charset="0"/>
-                <a:cs typeface="Times New Roman" panose="02020603050405020304" pitchFamily="18" charset="0"/>
-              </a:rPr>
-            </a:br>
-            <a:br>
-              <a:rPr lang="en-US" sz="3200" b="1" u="sng" dirty="0">
-                <a:latin typeface="Times New Roman" panose="02020603050405020304" pitchFamily="18" charset="0"/>
-                <a:cs typeface="Times New Roman" panose="02020603050405020304" pitchFamily="18" charset="0"/>
-              </a:rPr>
-            </a:br>
-            <a:endParaRPr lang="en-US" sz="3200" b="1" u="sng" dirty="0">
-              <a:latin typeface="Times New Roman" panose="02020603050405020304" pitchFamily="18" charset="0"/>
-              <a:cs typeface="Times New Roman" panose="02020603050405020304" pitchFamily="18" charset="0"/>
-            </a:endParaRPr>
-          </a:p>
-        </p:txBody>
-      </p:sp>
-      <p:sp>
-        <p:nvSpPr>
-          <p:cNvPr id="3" name="Content Placeholder 2">
-            <a:extLst>
-              <a:ext uri="{FF2B5EF4-FFF2-40B4-BE49-F238E27FC236}">
-                <a16:creationId xmlns:a16="http://schemas.microsoft.com/office/drawing/2014/main" id="{919C9A71-DFAE-E47C-7397-6705161BA2F5}"/>
-              </a:ext>
-            </a:extLst>
-          </p:cNvPr>
-          <p:cNvSpPr>
-            <a:spLocks noGrp="1"/>
-          </p:cNvSpPr>
-          <p:nvPr>
-            <p:ph idx="1"/>
-          </p:nvPr>
-        </p:nvSpPr>
-        <p:spPr/>
-        <p:txBody>
-          <a:bodyPr/>
-          <a:lstStyle/>
-          <a:p>
-            <a:endParaRPr lang="en-US"/>
-          </a:p>
-        </p:txBody>
-      </p:sp>
-    </p:spTree>
-    <p:extLst>
-      <p:ext uri="{BB962C8B-B14F-4D97-AF65-F5344CB8AC3E}">
-        <p14:creationId xmlns:p14="http://schemas.microsoft.com/office/powerpoint/2010/main" val="2146623140"/>
-      </p:ext>
-    </p:extLst>
-  </p:cSld>
-  <p:clrMapOvr>
-    <a:masterClrMapping/>
-  </p:clrMapOvr>
-  <mc:AlternateContent xmlns:mc="http://schemas.openxmlformats.org/markup-compatibility/2006" xmlns:p14="http://schemas.microsoft.com/office/powerpoint/2010/main">
-    <mc:Choice Requires="p14">
-      <p:transition spd="slow" p14:dur="1500">
-        <p:split orient="vert"/>
-      </p:transition>
-    </mc:Choice>
-    <mc:Fallback xmlns="">
-      <p:transition spd="slow">
-        <p:split orient="vert"/>
-      </p:transition>
-    </mc:Fallback>
-  </mc:AlternateContent>
-</p:sld>
-</file>
-
-<file path=ppt/slides/slide23.xml><?xml version="1.0" encoding="utf-8"?>
-<p:sld xmlns:a="http://schemas.openxmlformats.org/drawingml/2006/main" xmlns:r="http://schemas.openxmlformats.org/officeDocument/2006/relationships" xmlns:p="http://schemas.openxmlformats.org/presentationml/2006/main">
-  <p:cSld>
-    <p:spTree>
-      <p:nvGrpSpPr>
-        <p:cNvPr id="1" name=""/>
-        <p:cNvGrpSpPr/>
-        <p:nvPr/>
-      </p:nvGrpSpPr>
-      <p:grpSpPr>
-        <a:xfrm>
-          <a:off x="0" y="0"/>
-          <a:ext cx="0" cy="0"/>
-          <a:chOff x="0" y="0"/>
-          <a:chExt cx="0" cy="0"/>
-        </a:xfrm>
-      </p:grpSpPr>
-      <p:sp>
-        <p:nvSpPr>
-          <p:cNvPr id="2" name="Title 1">
-            <a:extLst>
-              <a:ext uri="{FF2B5EF4-FFF2-40B4-BE49-F238E27FC236}">
-                <a16:creationId xmlns:a16="http://schemas.microsoft.com/office/drawing/2014/main" id="{1DB18763-3769-B419-0629-4E1AA5B94F74}"/>
-              </a:ext>
-            </a:extLst>
-          </p:cNvPr>
-          <p:cNvSpPr>
-            <a:spLocks noGrp="1"/>
-          </p:cNvSpPr>
-          <p:nvPr>
-            <p:ph type="title"/>
-          </p:nvPr>
-        </p:nvSpPr>
-        <p:spPr/>
-        <p:txBody>
-          <a:bodyPr>
-            <a:normAutofit fontScale="90000"/>
-          </a:bodyPr>
-          <a:lstStyle/>
-          <a:p>
-            <a:pPr algn="ctr"/>
-            <a:r>
-              <a:rPr lang="en-US" sz="3200" b="1" u="sng" dirty="0">
-                <a:latin typeface="Times New Roman" panose="02020603050405020304" pitchFamily="18" charset="0"/>
-                <a:cs typeface="Times New Roman" panose="02020603050405020304" pitchFamily="18" charset="0"/>
-              </a:rPr>
-              <a:t>20. What are the differences between unit testing, integration testing, and system testing?</a:t>
-            </a:r>
-            <a:br>
-              <a:rPr lang="en-US" sz="3200" b="1" u="sng" dirty="0">
-                <a:latin typeface="Times New Roman" panose="02020603050405020304" pitchFamily="18" charset="0"/>
-                <a:cs typeface="Times New Roman" panose="02020603050405020304" pitchFamily="18" charset="0"/>
-              </a:rPr>
-            </a:br>
-            <a:endParaRPr lang="en-US" sz="3200" b="1" u="sng" dirty="0">
-              <a:latin typeface="Times New Roman" panose="02020603050405020304" pitchFamily="18" charset="0"/>
-              <a:cs typeface="Times New Roman" panose="02020603050405020304" pitchFamily="18" charset="0"/>
-            </a:endParaRPr>
-          </a:p>
-        </p:txBody>
-      </p:sp>
-      <p:sp>
-        <p:nvSpPr>
-          <p:cNvPr id="3" name="Content Placeholder 2">
-            <a:extLst>
-              <a:ext uri="{FF2B5EF4-FFF2-40B4-BE49-F238E27FC236}">
-                <a16:creationId xmlns:a16="http://schemas.microsoft.com/office/drawing/2014/main" id="{919C9A71-DFAE-E47C-7397-6705161BA2F5}"/>
-              </a:ext>
-            </a:extLst>
-          </p:cNvPr>
-          <p:cNvSpPr>
-            <a:spLocks noGrp="1"/>
-          </p:cNvSpPr>
-          <p:nvPr>
-            <p:ph idx="1"/>
-          </p:nvPr>
-        </p:nvSpPr>
-        <p:spPr/>
-        <p:txBody>
-          <a:bodyPr/>
-          <a:lstStyle/>
-          <a:p>
-            <a:endParaRPr lang="en-US"/>
-          </a:p>
-        </p:txBody>
-      </p:sp>
-    </p:spTree>
-    <p:extLst>
-      <p:ext uri="{BB962C8B-B14F-4D97-AF65-F5344CB8AC3E}">
-        <p14:creationId xmlns:p14="http://schemas.microsoft.com/office/powerpoint/2010/main" val="3075485092"/>
-      </p:ext>
-    </p:extLst>
-  </p:cSld>
-  <p:clrMapOvr>
-    <a:masterClrMapping/>
-  </p:clrMapOvr>
-  <mc:AlternateContent xmlns:mc="http://schemas.openxmlformats.org/markup-compatibility/2006" xmlns:p14="http://schemas.microsoft.com/office/powerpoint/2010/main">
-    <mc:Choice Requires="p14">
-      <p:transition spd="slow" p14:dur="1500">
-        <p:split orient="vert"/>
-      </p:transition>
-    </mc:Choice>
-    <mc:Fallback xmlns="">
-      <p:transition spd="slow">
-        <p:split orient="vert"/>
-      </p:transition>
-    </mc:Fallback>
-  </mc:AlternateContent>
-</p:sld>
-</file>
-
-<file path=ppt/slides/slide24.xml><?xml version="1.0" encoding="utf-8"?>
-<p:sld xmlns:a="http://schemas.openxmlformats.org/drawingml/2006/main" xmlns:r="http://schemas.openxmlformats.org/officeDocument/2006/relationships" xmlns:p="http://schemas.openxmlformats.org/presentationml/2006/main">
-  <p:cSld>
-    <p:spTree>
-      <p:nvGrpSpPr>
-        <p:cNvPr id="1" name=""/>
-        <p:cNvGrpSpPr/>
-        <p:nvPr/>
-      </p:nvGrpSpPr>
-      <p:grpSpPr>
-        <a:xfrm>
-          <a:off x="0" y="0"/>
-          <a:ext cx="0" cy="0"/>
-          <a:chOff x="0" y="0"/>
-          <a:chExt cx="0" cy="0"/>
-        </a:xfrm>
-      </p:grpSpPr>
-      <p:sp>
-        <p:nvSpPr>
-          <p:cNvPr id="2" name="Title 1">
-            <a:extLst>
-              <a:ext uri="{FF2B5EF4-FFF2-40B4-BE49-F238E27FC236}">
-                <a16:creationId xmlns:a16="http://schemas.microsoft.com/office/drawing/2014/main" id="{1DB18763-3769-B419-0629-4E1AA5B94F74}"/>
-              </a:ext>
-            </a:extLst>
-          </p:cNvPr>
-          <p:cNvSpPr>
-            <a:spLocks noGrp="1"/>
-          </p:cNvSpPr>
-          <p:nvPr>
-            <p:ph type="title"/>
-          </p:nvPr>
-        </p:nvSpPr>
-        <p:spPr/>
-        <p:txBody>
-          <a:bodyPr>
-            <a:normAutofit fontScale="90000"/>
-          </a:bodyPr>
-          <a:lstStyle/>
-          <a:p>
-            <a:pPr algn="ctr"/>
-            <a:r>
-              <a:rPr lang="en-US" sz="3200" b="1" u="sng" dirty="0">
-                <a:latin typeface="Times New Roman" panose="02020603050405020304" pitchFamily="18" charset="0"/>
-                <a:cs typeface="Times New Roman" panose="02020603050405020304" pitchFamily="18" charset="0"/>
-              </a:rPr>
-              <a:t>21. Explain how you would set up a CI/CD pipeline for a Java Spring Boot application.</a:t>
-            </a:r>
-            <a:br>
-              <a:rPr lang="en-US" sz="3200" b="1" u="sng" dirty="0">
-                <a:latin typeface="Times New Roman" panose="02020603050405020304" pitchFamily="18" charset="0"/>
-                <a:cs typeface="Times New Roman" panose="02020603050405020304" pitchFamily="18" charset="0"/>
-              </a:rPr>
-            </a:br>
-            <a:endParaRPr lang="en-US" sz="3200" b="1" u="sng" dirty="0">
-              <a:latin typeface="Times New Roman" panose="02020603050405020304" pitchFamily="18" charset="0"/>
-              <a:cs typeface="Times New Roman" panose="02020603050405020304" pitchFamily="18" charset="0"/>
-            </a:endParaRPr>
-          </a:p>
-        </p:txBody>
-      </p:sp>
-      <p:sp>
-        <p:nvSpPr>
-          <p:cNvPr id="3" name="Content Placeholder 2">
-            <a:extLst>
-              <a:ext uri="{FF2B5EF4-FFF2-40B4-BE49-F238E27FC236}">
-                <a16:creationId xmlns:a16="http://schemas.microsoft.com/office/drawing/2014/main" id="{919C9A71-DFAE-E47C-7397-6705161BA2F5}"/>
-              </a:ext>
-            </a:extLst>
-          </p:cNvPr>
-          <p:cNvSpPr>
-            <a:spLocks noGrp="1"/>
-          </p:cNvSpPr>
-          <p:nvPr>
-            <p:ph idx="1"/>
-          </p:nvPr>
-        </p:nvSpPr>
-        <p:spPr/>
-        <p:txBody>
-          <a:bodyPr/>
-          <a:lstStyle/>
-          <a:p>
-            <a:endParaRPr lang="en-US"/>
-          </a:p>
-        </p:txBody>
-      </p:sp>
-    </p:spTree>
-    <p:extLst>
-      <p:ext uri="{BB962C8B-B14F-4D97-AF65-F5344CB8AC3E}">
-        <p14:creationId xmlns:p14="http://schemas.microsoft.com/office/powerpoint/2010/main" val="757542607"/>
-      </p:ext>
-    </p:extLst>
-  </p:cSld>
-  <p:clrMapOvr>
-    <a:masterClrMapping/>
-  </p:clrMapOvr>
-  <mc:AlternateContent xmlns:mc="http://schemas.openxmlformats.org/markup-compatibility/2006" xmlns:p159="http://schemas.microsoft.com/office/powerpoint/2015/09/main">
-    <mc:Choice Requires="p159">
-      <p:transition xmlns:p14="http://schemas.microsoft.com/office/powerpoint/2010/main" spd="slow" p14:dur="2000">
-        <p159:morph option="byObject"/>
-      </p:transition>
-    </mc:Choice>
-    <mc:Fallback xmlns="">
-      <p:transition spd="slow">
-        <p:fade/>
-      </p:transition>
-    </mc:Fallback>
-  </mc:AlternateContent>
-</p:sld>
-</file>
-
 <file path=ppt/slides/slide25.xml><?xml version="1.0" encoding="utf-8"?>
 <p:sld xmlns:a="http://schemas.openxmlformats.org/drawingml/2006/main" xmlns:r="http://schemas.openxmlformats.org/officeDocument/2006/relationships" xmlns:p="http://schemas.openxmlformats.org/presentationml/2006/main">
   <p:cSld>
@@ -6839,7 +6816,7 @@
                 </a:highlight>
                 <a:latin typeface="Algerian" pitchFamily="82" charset="77"/>
               </a:rPr>
-              <a:t>Mock Interview Series</a:t>
+              <a:t>Interview guidance</a:t>
             </a:r>
             <a:endParaRPr lang="en-US" sz="7200" dirty="0"/>
           </a:p>
@@ -6889,9 +6866,9 @@
           </a:p>
           <a:p>
             <a:r>
-              <a:rPr lang="en-US" sz="11500" i="0" kern="1200" dirty="0">
+              <a:rPr lang="en-US" sz="11500" i="0" kern="1200">
                 <a:solidFill>
-                  <a:srgbClr val="7030A0"/>
+                  <a:srgbClr val="FF0000"/>
                 </a:solidFill>
                 <a:effectLst/>
                 <a:highlight>
@@ -6899,11 +6876,24 @@
                 </a:highlight>
                 <a:latin typeface="Algerian" pitchFamily="82" charset="77"/>
               </a:rPr>
-              <a:t>Round 2 </a:t>
+              <a:t>Round3</a:t>
+            </a:r>
+            <a:r>
+              <a:rPr lang="en-US" sz="4800" i="0" kern="1200">
+                <a:solidFill>
+                  <a:srgbClr val="FF0000"/>
+                </a:solidFill>
+                <a:effectLst/>
+                <a:highlight>
+                  <a:srgbClr val="000000"/>
+                </a:highlight>
+                <a:latin typeface="Algerian" pitchFamily="82" charset="77"/>
+              </a:rPr>
+              <a:t>/3</a:t>
             </a:r>
             <a:endParaRPr lang="en-US" sz="11500" dirty="0">
               <a:solidFill>
-                <a:srgbClr val="7030A0"/>
+                <a:srgbClr val="FF0000"/>
               </a:solidFill>
             </a:endParaRPr>
           </a:p>
@@ -7247,20 +7237,20 @@
     </p:spTree>
     <p:extLst>
       <p:ext uri="{BB962C8B-B14F-4D97-AF65-F5344CB8AC3E}">
-        <p14:creationId xmlns:p14="http://schemas.microsoft.com/office/powerpoint/2010/main" val="2380164089"/>
+        <p14:creationId xmlns:p14="http://schemas.microsoft.com/office/powerpoint/2010/main" val="889108076"/>
       </p:ext>
     </p:extLst>
   </p:cSld>
   <p:clrMapOvr>
     <a:masterClrMapping/>
   </p:clrMapOvr>
-  <mc:AlternateContent xmlns:mc="http://schemas.openxmlformats.org/markup-compatibility/2006" xmlns:p14="http://schemas.microsoft.com/office/powerpoint/2010/main">
-    <mc:Choice Requires="p14">
+  <mc:AlternateContent xmlns:mc="http://schemas.openxmlformats.org/markup-compatibility/2006">
+    <mc:Choice xmlns:p14="http://schemas.microsoft.com/office/powerpoint/2010/main" Requires="p14">
       <p:transition spd="slow" p14:dur="1500">
         <p:split orient="vert"/>
       </p:transition>
     </mc:Choice>
-    <mc:Fallback xmlns="">
+    <mc:Fallback>
       <p:transition spd="slow">
         <p:split orient="vert"/>
       </p:transition>
@@ -7310,13 +7300,10 @@
           <a:lstStyle/>
           <a:p>
             <a:pPr algn="ctr"/>
-            <a:r>
-              <a:rPr lang="en-US" sz="2800" b="1" u="sng" dirty="0">
-                <a:latin typeface="Times New Roman" panose="02020603050405020304" pitchFamily="18" charset="0"/>
-                <a:cs typeface="Times New Roman" panose="02020603050405020304" pitchFamily="18" charset="0"/>
-              </a:rPr>
-              <a:t>1. Explain the concepts of immutability and mutability in Java. Why are Strings immutable?</a:t>
-            </a:r>
+            <a:endParaRPr lang="en-US" sz="4000" b="1" u="sng" dirty="0">
+              <a:latin typeface="Times New Roman" panose="02020603050405020304" pitchFamily="18" charset="0"/>
+              <a:cs typeface="Times New Roman" panose="02020603050405020304" pitchFamily="18" charset="0"/>
+            </a:endParaRPr>
           </a:p>
         </p:txBody>
       </p:sp>
@@ -7348,7 +7335,7 @@
     </p:spTree>
     <p:extLst>
       <p:ext uri="{BB962C8B-B14F-4D97-AF65-F5344CB8AC3E}">
-        <p14:creationId xmlns:p14="http://schemas.microsoft.com/office/powerpoint/2010/main" val="2334744810"/>
+        <p14:creationId xmlns:p14="http://schemas.microsoft.com/office/powerpoint/2010/main" val="83218272"/>
       </p:ext>
     </p:extLst>
   </p:cSld>
@@ -7403,12 +7390,7 @@
             <p:ph type="title"/>
           </p:nvPr>
         </p:nvSpPr>
-        <p:spPr>
-          <a:xfrm>
-            <a:off x="838200" y="365125"/>
-            <a:ext cx="10635114" cy="1877561"/>
-          </a:xfrm>
-        </p:spPr>
+        <p:spPr/>
         <p:txBody>
           <a:bodyPr>
             <a:noAutofit/>
@@ -7416,26 +7398,10 @@
           <a:lstStyle/>
           <a:p>
             <a:pPr algn="ctr"/>
-            <a:r>
-              <a:rPr lang="en-US" sz="2800" b="1" u="sng" dirty="0">
-                <a:latin typeface="Times New Roman" panose="02020603050405020304" pitchFamily="18" charset="0"/>
-                <a:cs typeface="Times New Roman" panose="02020603050405020304" pitchFamily="18" charset="0"/>
-              </a:rPr>
-              <a:t>2. What are lambda expressions and functional interfaces in Java? </a:t>
-            </a:r>
-            <a:br>
-              <a:rPr lang="en-US" sz="2800" b="1" u="sng" dirty="0">
-                <a:latin typeface="Times New Roman" panose="02020603050405020304" pitchFamily="18" charset="0"/>
-                <a:cs typeface="Times New Roman" panose="02020603050405020304" pitchFamily="18" charset="0"/>
-              </a:rPr>
-            </a:br>
-            <a:r>
-              <a:rPr lang="en-US" sz="2800" b="1" u="sng" dirty="0">
-                <a:latin typeface="Times New Roman" panose="02020603050405020304" pitchFamily="18" charset="0"/>
-                <a:cs typeface="Times New Roman" panose="02020603050405020304" pitchFamily="18" charset="0"/>
-              </a:rPr>
-              <a:t>Provide an example.</a:t>
-            </a:r>
+            <a:endParaRPr lang="en-US" sz="4000" b="1" u="sng" dirty="0">
+              <a:latin typeface="Times New Roman" panose="02020603050405020304" pitchFamily="18" charset="0"/>
+              <a:cs typeface="Times New Roman" panose="02020603050405020304" pitchFamily="18" charset="0"/>
+            </a:endParaRPr>
           </a:p>
         </p:txBody>
       </p:sp>
@@ -7467,7 +7433,7 @@
     </p:spTree>
     <p:extLst>
       <p:ext uri="{BB962C8B-B14F-4D97-AF65-F5344CB8AC3E}">
-        <p14:creationId xmlns:p14="http://schemas.microsoft.com/office/powerpoint/2010/main" val="4247730158"/>
+        <p14:creationId xmlns:p14="http://schemas.microsoft.com/office/powerpoint/2010/main" val="3157869238"/>
       </p:ext>
     </p:extLst>
   </p:cSld>
@@ -7530,27 +7496,10 @@
           <a:lstStyle/>
           <a:p>
             <a:pPr algn="ctr"/>
-            <a:r>
-              <a:rPr lang="en-US" sz="3200" b="1" u="sng" dirty="0">
-                <a:latin typeface="Times New Roman" panose="02020603050405020304" pitchFamily="18" charset="0"/>
-                <a:cs typeface="Times New Roman" panose="02020603050405020304" pitchFamily="18" charset="0"/>
-              </a:rPr>
-              <a:t>3. What is the difference between synchronized and </a:t>
-            </a:r>
-            <a:r>
-              <a:rPr lang="en-US" sz="3200" b="1" u="sng" dirty="0" err="1">
-                <a:latin typeface="Times New Roman" panose="02020603050405020304" pitchFamily="18" charset="0"/>
-                <a:cs typeface="Times New Roman" panose="02020603050405020304" pitchFamily="18" charset="0"/>
-              </a:rPr>
-              <a:t>ReentrantLock</a:t>
-            </a:r>
-            <a:r>
-              <a:rPr lang="en-US" sz="3200" b="1" u="sng" dirty="0">
-                <a:latin typeface="Times New Roman" panose="02020603050405020304" pitchFamily="18" charset="0"/>
-                <a:cs typeface="Times New Roman" panose="02020603050405020304" pitchFamily="18" charset="0"/>
-              </a:rPr>
-              <a:t>? When would you use each?</a:t>
-            </a:r>
+            <a:endParaRPr lang="en-US" sz="4000" b="1" u="sng" dirty="0">
+              <a:latin typeface="Times New Roman" panose="02020603050405020304" pitchFamily="18" charset="0"/>
+              <a:cs typeface="Times New Roman" panose="02020603050405020304" pitchFamily="18" charset="0"/>
+            </a:endParaRPr>
           </a:p>
         </p:txBody>
       </p:sp>
@@ -7582,7 +7531,7 @@
     </p:spTree>
     <p:extLst>
       <p:ext uri="{BB962C8B-B14F-4D97-AF65-F5344CB8AC3E}">
-        <p14:creationId xmlns:p14="http://schemas.microsoft.com/office/powerpoint/2010/main" val="2172585909"/>
+        <p14:creationId xmlns:p14="http://schemas.microsoft.com/office/powerpoint/2010/main" val="23624832"/>
       </p:ext>
     </p:extLst>
   </p:cSld>
@@ -7645,13 +7594,10 @@
           <a:lstStyle/>
           <a:p>
             <a:pPr algn="ctr"/>
-            <a:r>
-              <a:rPr lang="en-US" sz="4000" b="1" u="sng" dirty="0">
-                <a:latin typeface="Times New Roman" panose="02020603050405020304" pitchFamily="18" charset="0"/>
-                <a:cs typeface="Times New Roman" panose="02020603050405020304" pitchFamily="18" charset="0"/>
-              </a:rPr>
-              <a:t>4. What is AOP (Aspect-Oriented Programming) and how is it used in Spring?</a:t>
-            </a:r>
+            <a:endParaRPr lang="en-US" sz="4000" b="1" u="sng" dirty="0">
+              <a:latin typeface="Times New Roman" panose="02020603050405020304" pitchFamily="18" charset="0"/>
+              <a:cs typeface="Times New Roman" panose="02020603050405020304" pitchFamily="18" charset="0"/>
+            </a:endParaRPr>
           </a:p>
         </p:txBody>
       </p:sp>
@@ -7683,7 +7629,7 @@
     </p:spTree>
     <p:extLst>
       <p:ext uri="{BB962C8B-B14F-4D97-AF65-F5344CB8AC3E}">
-        <p14:creationId xmlns:p14="http://schemas.microsoft.com/office/powerpoint/2010/main" val="80252619"/>
+        <p14:creationId xmlns:p14="http://schemas.microsoft.com/office/powerpoint/2010/main" val="3354643725"/>
       </p:ext>
     </p:extLst>
   </p:cSld>
@@ -7727,7 +7673,7 @@
           <p:cNvPr id="2" name="Title 1">
             <a:extLst>
               <a:ext uri="{FF2B5EF4-FFF2-40B4-BE49-F238E27FC236}">
-                <a16:creationId xmlns:a16="http://schemas.microsoft.com/office/drawing/2014/main" id="{2B9D77B2-5894-0BA5-A295-57724DE12CE8}"/>
+                <a16:creationId xmlns:a16="http://schemas.microsoft.com/office/drawing/2014/main" id="{1DB18763-3769-B419-0629-4E1AA5B94F74}"/>
               </a:ext>
             </a:extLst>
           </p:cNvPr>
@@ -7740,17 +7686,30 @@
         </p:nvSpPr>
         <p:spPr/>
         <p:txBody>
-          <a:bodyPr/>
+          <a:bodyPr>
+            <a:normAutofit/>
+          </a:bodyPr>
           <a:lstStyle/>
           <a:p>
             <a:pPr algn="ctr"/>
             <a:r>
-              <a:rPr lang="en-US" b="1" u="sng" dirty="0">
+              <a:rPr lang="en-IN" sz="3200" b="1" i="0" u="sng" dirty="0">
+                <a:solidFill>
+                  <a:srgbClr val="1F2328"/>
+                </a:solidFill>
+                <a:effectLst/>
+                <a:highlight>
+                  <a:srgbClr val="FFFFFF"/>
+                </a:highlight>
                 <a:latin typeface="Times New Roman" panose="02020603050405020304" pitchFamily="18" charset="0"/>
                 <a:cs typeface="Times New Roman" panose="02020603050405020304" pitchFamily="18" charset="0"/>
               </a:rPr>
-              <a:t>1. Introduction</a:t>
-            </a:r>
+              <a:t>Explain the difference between == and equals() in Java.</a:t>
+            </a:r>
+            <a:endParaRPr lang="en-US" sz="3200" u="sng" dirty="0">
+              <a:latin typeface="Times New Roman" panose="02020603050405020304" pitchFamily="18" charset="0"/>
+              <a:cs typeface="Times New Roman" panose="02020603050405020304" pitchFamily="18" charset="0"/>
+            </a:endParaRPr>
           </a:p>
         </p:txBody>
       </p:sp>
@@ -7759,7 +7718,7 @@
           <p:cNvPr id="3" name="Content Placeholder 2">
             <a:extLst>
               <a:ext uri="{FF2B5EF4-FFF2-40B4-BE49-F238E27FC236}">
-                <a16:creationId xmlns:a16="http://schemas.microsoft.com/office/drawing/2014/main" id="{0CB371D9-BBA1-6EA8-6F78-B50F006C1413}"/>
+                <a16:creationId xmlns:a16="http://schemas.microsoft.com/office/drawing/2014/main" id="{919C9A71-DFAE-E47C-7397-6705161BA2F5}"/>
               </a:ext>
             </a:extLst>
           </p:cNvPr>
@@ -7782,7 +7741,7 @@
     </p:spTree>
     <p:extLst>
       <p:ext uri="{BB962C8B-B14F-4D97-AF65-F5344CB8AC3E}">
-        <p14:creationId xmlns:p14="http://schemas.microsoft.com/office/powerpoint/2010/main" val="1756172755"/>
+        <p14:creationId xmlns:p14="http://schemas.microsoft.com/office/powerpoint/2010/main" val="3178870381"/>
       </p:ext>
     </p:extLst>
   </p:cSld>
@@ -7845,13 +7804,10 @@
           <a:lstStyle/>
           <a:p>
             <a:pPr algn="ctr"/>
-            <a:r>
-              <a:rPr lang="en-US" sz="4000" b="1" u="sng" dirty="0">
-                <a:latin typeface="Times New Roman" panose="02020603050405020304" pitchFamily="18" charset="0"/>
-                <a:cs typeface="Times New Roman" panose="02020603050405020304" pitchFamily="18" charset="0"/>
-              </a:rPr>
-              <a:t>5. Explain the lifecycle of a Spring bean.</a:t>
-            </a:r>
+            <a:endParaRPr lang="en-US" sz="4000" b="1" u="sng" dirty="0">
+              <a:latin typeface="Times New Roman" panose="02020603050405020304" pitchFamily="18" charset="0"/>
+              <a:cs typeface="Times New Roman" panose="02020603050405020304" pitchFamily="18" charset="0"/>
+            </a:endParaRPr>
           </a:p>
         </p:txBody>
       </p:sp>
@@ -7883,7 +7839,7 @@
     </p:spTree>
     <p:extLst>
       <p:ext uri="{BB962C8B-B14F-4D97-AF65-F5344CB8AC3E}">
-        <p14:creationId xmlns:p14="http://schemas.microsoft.com/office/powerpoint/2010/main" val="3460186502"/>
+        <p14:creationId xmlns:p14="http://schemas.microsoft.com/office/powerpoint/2010/main" val="1074296538"/>
       </p:ext>
     </p:extLst>
   </p:cSld>
@@ -7946,13 +7902,10 @@
           <a:lstStyle/>
           <a:p>
             <a:pPr algn="ctr"/>
-            <a:r>
-              <a:rPr lang="en-US" sz="4000" b="1" u="sng" dirty="0">
-                <a:latin typeface="Times New Roman" panose="02020603050405020304" pitchFamily="18" charset="0"/>
-                <a:cs typeface="Times New Roman" panose="02020603050405020304" pitchFamily="18" charset="0"/>
-              </a:rPr>
-              <a:t>6. How do you handle transactions in Spring? Explain the use of @Transactional annotation.</a:t>
-            </a:r>
+            <a:endParaRPr lang="en-US" sz="4000" b="1" u="sng" dirty="0">
+              <a:latin typeface="Times New Roman" panose="02020603050405020304" pitchFamily="18" charset="0"/>
+              <a:cs typeface="Times New Roman" panose="02020603050405020304" pitchFamily="18" charset="0"/>
+            </a:endParaRPr>
           </a:p>
         </p:txBody>
       </p:sp>
@@ -7984,7 +7937,7 @@
     </p:spTree>
     <p:extLst>
       <p:ext uri="{BB962C8B-B14F-4D97-AF65-F5344CB8AC3E}">
-        <p14:creationId xmlns:p14="http://schemas.microsoft.com/office/powerpoint/2010/main" val="2313274130"/>
+        <p14:creationId xmlns:p14="http://schemas.microsoft.com/office/powerpoint/2010/main" val="3709588867"/>
       </p:ext>
     </p:extLst>
   </p:cSld>
@@ -8028,566 +7981,6 @@
           <p:cNvPr id="2" name="Title 1">
             <a:extLst>
               <a:ext uri="{FF2B5EF4-FFF2-40B4-BE49-F238E27FC236}">
-                <a16:creationId xmlns:a16="http://schemas.microsoft.com/office/drawing/2014/main" id="{DA5A253F-C66D-0A3C-DB25-267C5397A3CB}"/>
-              </a:ext>
-            </a:extLst>
-          </p:cNvPr>
-          <p:cNvSpPr>
-            <a:spLocks noGrp="1"/>
-          </p:cNvSpPr>
-          <p:nvPr>
-            <p:ph type="title"/>
-          </p:nvPr>
-        </p:nvSpPr>
-        <p:spPr/>
-        <p:txBody>
-          <a:bodyPr>
-            <a:normAutofit/>
-          </a:bodyPr>
-          <a:lstStyle/>
-          <a:p>
-            <a:pPr algn="ctr"/>
-            <a:r>
-              <a:rPr lang="en-US" sz="3100" b="1" i="0" u="sng" dirty="0">
-                <a:effectLst/>
-                <a:highlight>
-                  <a:srgbClr val="FFFFFF"/>
-                </a:highlight>
-                <a:latin typeface="Times New Roman" panose="02020603050405020304" pitchFamily="18" charset="0"/>
-                <a:cs typeface="Times New Roman" panose="02020603050405020304" pitchFamily="18" charset="0"/>
-              </a:rPr>
-              <a:t>7.How do you configure Spring Boot for </a:t>
-            </a:r>
-            <a:r>
-              <a:rPr lang="en-US" sz="2000" b="1" i="0" u="sng" dirty="0">
-                <a:effectLst/>
-                <a:highlight>
-                  <a:srgbClr val="FFFFFF"/>
-                </a:highlight>
-                <a:latin typeface="Times New Roman" panose="02020603050405020304" pitchFamily="18" charset="0"/>
-                <a:cs typeface="Times New Roman" panose="02020603050405020304" pitchFamily="18" charset="0"/>
-              </a:rPr>
-              <a:t>different</a:t>
-            </a:r>
-            <a:r>
-              <a:rPr lang="en-US" sz="3100" b="1" i="0" u="sng" dirty="0">
-                <a:effectLst/>
-                <a:highlight>
-                  <a:srgbClr val="FFFFFF"/>
-                </a:highlight>
-                <a:latin typeface="Times New Roman" panose="02020603050405020304" pitchFamily="18" charset="0"/>
-                <a:cs typeface="Times New Roman" panose="02020603050405020304" pitchFamily="18" charset="0"/>
-              </a:rPr>
-              <a:t> environments (e.g., development, testing, production)?</a:t>
-            </a:r>
-            <a:endParaRPr lang="en-US" u="sng" dirty="0">
-              <a:latin typeface="Times New Roman" panose="02020603050405020304" pitchFamily="18" charset="0"/>
-              <a:cs typeface="Times New Roman" panose="02020603050405020304" pitchFamily="18" charset="0"/>
-            </a:endParaRPr>
-          </a:p>
-        </p:txBody>
-      </p:sp>
-      <p:sp>
-        <p:nvSpPr>
-          <p:cNvPr id="3" name="Content Placeholder 2">
-            <a:extLst>
-              <a:ext uri="{FF2B5EF4-FFF2-40B4-BE49-F238E27FC236}">
-                <a16:creationId xmlns:a16="http://schemas.microsoft.com/office/drawing/2014/main" id="{2CE783F3-2B15-F979-5195-4390BADB3563}"/>
-              </a:ext>
-            </a:extLst>
-          </p:cNvPr>
-          <p:cNvSpPr>
-            <a:spLocks noGrp="1"/>
-          </p:cNvSpPr>
-          <p:nvPr>
-            <p:ph idx="1"/>
-          </p:nvPr>
-        </p:nvSpPr>
-        <p:spPr/>
-        <p:txBody>
-          <a:bodyPr/>
-          <a:lstStyle/>
-          <a:p>
-            <a:endParaRPr lang="en-US" dirty="0"/>
-          </a:p>
-        </p:txBody>
-      </p:sp>
-    </p:spTree>
-    <p:extLst>
-      <p:ext uri="{BB962C8B-B14F-4D97-AF65-F5344CB8AC3E}">
-        <p14:creationId xmlns:p14="http://schemas.microsoft.com/office/powerpoint/2010/main" val="2794017054"/>
-      </p:ext>
-    </p:extLst>
-  </p:cSld>
-  <p:clrMapOvr>
-    <a:masterClrMapping/>
-  </p:clrMapOvr>
-  <mc:AlternateContent xmlns:mc="http://schemas.openxmlformats.org/markup-compatibility/2006" xmlns:p14="http://schemas.microsoft.com/office/powerpoint/2010/main">
-    <mc:Choice Requires="p14">
-      <p:transition spd="slow" p14:dur="1500">
-        <p:split orient="vert"/>
-      </p:transition>
-    </mc:Choice>
-    <mc:Fallback xmlns="">
-      <p:transition spd="slow">
-        <p:split orient="vert"/>
-      </p:transition>
-    </mc:Fallback>
-  </mc:AlternateContent>
-</p:sld>
-</file>
-
-<file path=ppt/slides/slide33.xml><?xml version="1.0" encoding="utf-8"?>
-<p:sld xmlns:a="http://schemas.openxmlformats.org/drawingml/2006/main" xmlns:r="http://schemas.openxmlformats.org/officeDocument/2006/relationships" xmlns:p="http://schemas.openxmlformats.org/presentationml/2006/main">
-  <p:cSld>
-    <p:spTree>
-      <p:nvGrpSpPr>
-        <p:cNvPr id="1" name=""/>
-        <p:cNvGrpSpPr/>
-        <p:nvPr/>
-      </p:nvGrpSpPr>
-      <p:grpSpPr>
-        <a:xfrm>
-          <a:off x="0" y="0"/>
-          <a:ext cx="0" cy="0"/>
-          <a:chOff x="0" y="0"/>
-          <a:chExt cx="0" cy="0"/>
-        </a:xfrm>
-      </p:grpSpPr>
-      <p:sp>
-        <p:nvSpPr>
-          <p:cNvPr id="2" name="Title 1">
-            <a:extLst>
-              <a:ext uri="{FF2B5EF4-FFF2-40B4-BE49-F238E27FC236}">
-                <a16:creationId xmlns:a16="http://schemas.microsoft.com/office/drawing/2014/main" id="{A7ACB747-7407-E1DA-0812-AE776C6E9947}"/>
-              </a:ext>
-            </a:extLst>
-          </p:cNvPr>
-          <p:cNvSpPr>
-            <a:spLocks noGrp="1"/>
-          </p:cNvSpPr>
-          <p:nvPr>
-            <p:ph type="title"/>
-          </p:nvPr>
-        </p:nvSpPr>
-        <p:spPr/>
-        <p:txBody>
-          <a:bodyPr>
-            <a:normAutofit/>
-          </a:bodyPr>
-          <a:lstStyle/>
-          <a:p>
-            <a:r>
-              <a:rPr lang="en-US" sz="3600" b="1" u="sng" dirty="0">
-                <a:latin typeface="Times New Roman" panose="02020603050405020304" pitchFamily="18" charset="0"/>
-                <a:cs typeface="Times New Roman" panose="02020603050405020304" pitchFamily="18" charset="0"/>
-              </a:rPr>
-              <a:t>8. What are ACID properties in database systems?</a:t>
-            </a:r>
-          </a:p>
-        </p:txBody>
-      </p:sp>
-      <p:sp>
-        <p:nvSpPr>
-          <p:cNvPr id="3" name="Content Placeholder 2">
-            <a:extLst>
-              <a:ext uri="{FF2B5EF4-FFF2-40B4-BE49-F238E27FC236}">
-                <a16:creationId xmlns:a16="http://schemas.microsoft.com/office/drawing/2014/main" id="{C51ECDDB-D9E4-0DCD-1C1E-301331CE88CE}"/>
-              </a:ext>
-            </a:extLst>
-          </p:cNvPr>
-          <p:cNvSpPr>
-            <a:spLocks noGrp="1"/>
-          </p:cNvSpPr>
-          <p:nvPr>
-            <p:ph idx="1"/>
-          </p:nvPr>
-        </p:nvSpPr>
-        <p:spPr/>
-        <p:txBody>
-          <a:bodyPr/>
-          <a:lstStyle/>
-          <a:p>
-            <a:endParaRPr lang="en-US"/>
-          </a:p>
-        </p:txBody>
-      </p:sp>
-    </p:spTree>
-    <p:extLst>
-      <p:ext uri="{BB962C8B-B14F-4D97-AF65-F5344CB8AC3E}">
-        <p14:creationId xmlns:p14="http://schemas.microsoft.com/office/powerpoint/2010/main" val="3214067864"/>
-      </p:ext>
-    </p:extLst>
-  </p:cSld>
-  <p:clrMapOvr>
-    <a:masterClrMapping/>
-  </p:clrMapOvr>
-  <mc:AlternateContent xmlns:mc="http://schemas.openxmlformats.org/markup-compatibility/2006" xmlns:p14="http://schemas.microsoft.com/office/powerpoint/2010/main">
-    <mc:Choice Requires="p14">
-      <p:transition spd="slow" p14:dur="1500">
-        <p:split orient="vert"/>
-      </p:transition>
-    </mc:Choice>
-    <mc:Fallback xmlns="">
-      <p:transition spd="slow">
-        <p:split orient="vert"/>
-      </p:transition>
-    </mc:Fallback>
-  </mc:AlternateContent>
-</p:sld>
-</file>
-
-<file path=ppt/slides/slide34.xml><?xml version="1.0" encoding="utf-8"?>
-<p:sld xmlns:a="http://schemas.openxmlformats.org/drawingml/2006/main" xmlns:r="http://schemas.openxmlformats.org/officeDocument/2006/relationships" xmlns:p="http://schemas.openxmlformats.org/presentationml/2006/main">
-  <p:cSld>
-    <p:spTree>
-      <p:nvGrpSpPr>
-        <p:cNvPr id="1" name=""/>
-        <p:cNvGrpSpPr/>
-        <p:nvPr/>
-      </p:nvGrpSpPr>
-      <p:grpSpPr>
-        <a:xfrm>
-          <a:off x="0" y="0"/>
-          <a:ext cx="0" cy="0"/>
-          <a:chOff x="0" y="0"/>
-          <a:chExt cx="0" cy="0"/>
-        </a:xfrm>
-      </p:grpSpPr>
-      <p:sp>
-        <p:nvSpPr>
-          <p:cNvPr id="2" name="Title 1">
-            <a:extLst>
-              <a:ext uri="{FF2B5EF4-FFF2-40B4-BE49-F238E27FC236}">
-                <a16:creationId xmlns:a16="http://schemas.microsoft.com/office/drawing/2014/main" id="{BA319439-EEA0-0C06-3D12-D1898FE634E7}"/>
-              </a:ext>
-            </a:extLst>
-          </p:cNvPr>
-          <p:cNvSpPr>
-            <a:spLocks noGrp="1"/>
-          </p:cNvSpPr>
-          <p:nvPr>
-            <p:ph type="title"/>
-          </p:nvPr>
-        </p:nvSpPr>
-        <p:spPr/>
-        <p:txBody>
-          <a:bodyPr>
-            <a:normAutofit/>
-          </a:bodyPr>
-          <a:lstStyle/>
-          <a:p>
-            <a:pPr algn="ctr"/>
-            <a:r>
-              <a:rPr lang="en-US" sz="3600" b="1" i="0" u="sng" dirty="0">
-                <a:solidFill>
-                  <a:srgbClr val="1F2328"/>
-                </a:solidFill>
-                <a:effectLst/>
-                <a:highlight>
-                  <a:srgbClr val="FFFFFF"/>
-                </a:highlight>
-                <a:latin typeface="Times New Roman" panose="02020603050405020304" pitchFamily="18" charset="0"/>
-                <a:cs typeface="Times New Roman" panose="02020603050405020304" pitchFamily="18" charset="0"/>
-              </a:rPr>
-              <a:t>9. Explain the concept of lazy loading and eager loading in Hibernate.</a:t>
-            </a:r>
-            <a:endParaRPr lang="en-US" b="1" u="sng" dirty="0">
-              <a:latin typeface="Times New Roman" panose="02020603050405020304" pitchFamily="18" charset="0"/>
-              <a:cs typeface="Times New Roman" panose="02020603050405020304" pitchFamily="18" charset="0"/>
-            </a:endParaRPr>
-          </a:p>
-        </p:txBody>
-      </p:sp>
-      <p:sp>
-        <p:nvSpPr>
-          <p:cNvPr id="3" name="Content Placeholder 2">
-            <a:extLst>
-              <a:ext uri="{FF2B5EF4-FFF2-40B4-BE49-F238E27FC236}">
-                <a16:creationId xmlns:a16="http://schemas.microsoft.com/office/drawing/2014/main" id="{0005E3D3-0653-8B9F-66B6-B671A077D0B2}"/>
-              </a:ext>
-            </a:extLst>
-          </p:cNvPr>
-          <p:cNvSpPr>
-            <a:spLocks noGrp="1"/>
-          </p:cNvSpPr>
-          <p:nvPr>
-            <p:ph idx="1"/>
-          </p:nvPr>
-        </p:nvSpPr>
-        <p:spPr/>
-        <p:txBody>
-          <a:bodyPr/>
-          <a:lstStyle/>
-          <a:p>
-            <a:endParaRPr lang="en-US"/>
-          </a:p>
-        </p:txBody>
-      </p:sp>
-    </p:spTree>
-    <p:extLst>
-      <p:ext uri="{BB962C8B-B14F-4D97-AF65-F5344CB8AC3E}">
-        <p14:creationId xmlns:p14="http://schemas.microsoft.com/office/powerpoint/2010/main" val="2906038451"/>
-      </p:ext>
-    </p:extLst>
-  </p:cSld>
-  <p:clrMapOvr>
-    <a:masterClrMapping/>
-  </p:clrMapOvr>
-  <mc:AlternateContent xmlns:mc="http://schemas.openxmlformats.org/markup-compatibility/2006" xmlns:p14="http://schemas.microsoft.com/office/powerpoint/2010/main">
-    <mc:Choice Requires="p14">
-      <p:transition spd="slow" p14:dur="1500">
-        <p:split orient="vert"/>
-      </p:transition>
-    </mc:Choice>
-    <mc:Fallback xmlns="">
-      <p:transition spd="slow">
-        <p:split orient="vert"/>
-      </p:transition>
-    </mc:Fallback>
-  </mc:AlternateContent>
-</p:sld>
-</file>
-
-<file path=ppt/slides/slide35.xml><?xml version="1.0" encoding="utf-8"?>
-<p:sld xmlns:a="http://schemas.openxmlformats.org/drawingml/2006/main" xmlns:r="http://schemas.openxmlformats.org/officeDocument/2006/relationships" xmlns:p="http://schemas.openxmlformats.org/presentationml/2006/main">
-  <p:cSld>
-    <p:spTree>
-      <p:nvGrpSpPr>
-        <p:cNvPr id="1" name=""/>
-        <p:cNvGrpSpPr/>
-        <p:nvPr/>
-      </p:nvGrpSpPr>
-      <p:grpSpPr>
-        <a:xfrm>
-          <a:off x="0" y="0"/>
-          <a:ext cx="0" cy="0"/>
-          <a:chOff x="0" y="0"/>
-          <a:chExt cx="0" cy="0"/>
-        </a:xfrm>
-      </p:grpSpPr>
-      <p:sp>
-        <p:nvSpPr>
-          <p:cNvPr id="2" name="Title 1">
-            <a:extLst>
-              <a:ext uri="{FF2B5EF4-FFF2-40B4-BE49-F238E27FC236}">
-                <a16:creationId xmlns:a16="http://schemas.microsoft.com/office/drawing/2014/main" id="{7108A9E7-BD14-1B40-676D-E010CAA121B5}"/>
-              </a:ext>
-            </a:extLst>
-          </p:cNvPr>
-          <p:cNvSpPr>
-            <a:spLocks noGrp="1"/>
-          </p:cNvSpPr>
-          <p:nvPr>
-            <p:ph type="title"/>
-          </p:nvPr>
-        </p:nvSpPr>
-        <p:spPr/>
-        <p:txBody>
-          <a:bodyPr>
-            <a:noAutofit/>
-          </a:bodyPr>
-          <a:lstStyle/>
-          <a:p>
-            <a:pPr algn="ctr"/>
-            <a:r>
-              <a:rPr lang="en-US" sz="3200" b="1" i="0" u="sng" dirty="0">
-                <a:solidFill>
-                  <a:srgbClr val="1F2328"/>
-                </a:solidFill>
-                <a:effectLst/>
-                <a:highlight>
-                  <a:srgbClr val="FFFFFF"/>
-                </a:highlight>
-                <a:latin typeface="Times New Roman" panose="02020603050405020304" pitchFamily="18" charset="0"/>
-                <a:cs typeface="Times New Roman" panose="02020603050405020304" pitchFamily="18" charset="0"/>
-              </a:rPr>
-              <a:t>10. How would you optimize a slow-performing SQL query?</a:t>
-            </a:r>
-            <a:br>
-              <a:rPr lang="en-US" sz="3200" b="1" i="0" u="sng" dirty="0">
-                <a:solidFill>
-                  <a:srgbClr val="1F2328"/>
-                </a:solidFill>
-                <a:effectLst/>
-                <a:highlight>
-                  <a:srgbClr val="FFFFFF"/>
-                </a:highlight>
-                <a:latin typeface="Times New Roman" panose="02020603050405020304" pitchFamily="18" charset="0"/>
-                <a:cs typeface="Times New Roman" panose="02020603050405020304" pitchFamily="18" charset="0"/>
-              </a:rPr>
-            </a:br>
-            <a:endParaRPr lang="en-US" sz="3200" b="1" u="sng" dirty="0">
-              <a:latin typeface="Times New Roman" panose="02020603050405020304" pitchFamily="18" charset="0"/>
-              <a:cs typeface="Times New Roman" panose="02020603050405020304" pitchFamily="18" charset="0"/>
-            </a:endParaRPr>
-          </a:p>
-        </p:txBody>
-      </p:sp>
-      <p:sp>
-        <p:nvSpPr>
-          <p:cNvPr id="3" name="Content Placeholder 2">
-            <a:extLst>
-              <a:ext uri="{FF2B5EF4-FFF2-40B4-BE49-F238E27FC236}">
-                <a16:creationId xmlns:a16="http://schemas.microsoft.com/office/drawing/2014/main" id="{99D27D57-8BC6-3BBD-8210-F3114671DAAA}"/>
-              </a:ext>
-            </a:extLst>
-          </p:cNvPr>
-          <p:cNvSpPr>
-            <a:spLocks noGrp="1"/>
-          </p:cNvSpPr>
-          <p:nvPr>
-            <p:ph idx="1"/>
-          </p:nvPr>
-        </p:nvSpPr>
-        <p:spPr/>
-        <p:txBody>
-          <a:bodyPr/>
-          <a:lstStyle/>
-          <a:p>
-            <a:endParaRPr lang="en-US" dirty="0"/>
-          </a:p>
-        </p:txBody>
-      </p:sp>
-    </p:spTree>
-    <p:extLst>
-      <p:ext uri="{BB962C8B-B14F-4D97-AF65-F5344CB8AC3E}">
-        <p14:creationId xmlns:p14="http://schemas.microsoft.com/office/powerpoint/2010/main" val="1172557058"/>
-      </p:ext>
-    </p:extLst>
-  </p:cSld>
-  <p:clrMapOvr>
-    <a:masterClrMapping/>
-  </p:clrMapOvr>
-  <mc:AlternateContent xmlns:mc="http://schemas.openxmlformats.org/markup-compatibility/2006" xmlns:p14="http://schemas.microsoft.com/office/powerpoint/2010/main">
-    <mc:Choice Requires="p14">
-      <p:transition spd="slow" p14:dur="1500">
-        <p:split orient="vert"/>
-      </p:transition>
-    </mc:Choice>
-    <mc:Fallback xmlns="">
-      <p:transition spd="slow">
-        <p:split orient="vert"/>
-      </p:transition>
-    </mc:Fallback>
-  </mc:AlternateContent>
-</p:sld>
-</file>
-
-<file path=ppt/slides/slide36.xml><?xml version="1.0" encoding="utf-8"?>
-<p:sld xmlns:a="http://schemas.openxmlformats.org/drawingml/2006/main" xmlns:r="http://schemas.openxmlformats.org/officeDocument/2006/relationships" xmlns:p="http://schemas.openxmlformats.org/presentationml/2006/main">
-  <p:cSld>
-    <p:spTree>
-      <p:nvGrpSpPr>
-        <p:cNvPr id="1" name=""/>
-        <p:cNvGrpSpPr/>
-        <p:nvPr/>
-      </p:nvGrpSpPr>
-      <p:grpSpPr>
-        <a:xfrm>
-          <a:off x="0" y="0"/>
-          <a:ext cx="0" cy="0"/>
-          <a:chOff x="0" y="0"/>
-          <a:chExt cx="0" cy="0"/>
-        </a:xfrm>
-      </p:grpSpPr>
-      <p:sp>
-        <p:nvSpPr>
-          <p:cNvPr id="2" name="Title 1">
-            <a:extLst>
-              <a:ext uri="{FF2B5EF4-FFF2-40B4-BE49-F238E27FC236}">
-                <a16:creationId xmlns:a16="http://schemas.microsoft.com/office/drawing/2014/main" id="{FC2F7326-4F5F-3723-7CE0-6E268FDE800E}"/>
-              </a:ext>
-            </a:extLst>
-          </p:cNvPr>
-          <p:cNvSpPr>
-            <a:spLocks noGrp="1"/>
-          </p:cNvSpPr>
-          <p:nvPr>
-            <p:ph type="title"/>
-          </p:nvPr>
-        </p:nvSpPr>
-        <p:spPr/>
-        <p:txBody>
-          <a:bodyPr/>
-          <a:lstStyle/>
-          <a:p>
-            <a:endParaRPr lang="en-US"/>
-          </a:p>
-        </p:txBody>
-      </p:sp>
-      <p:sp>
-        <p:nvSpPr>
-          <p:cNvPr id="3" name="Content Placeholder 2">
-            <a:extLst>
-              <a:ext uri="{FF2B5EF4-FFF2-40B4-BE49-F238E27FC236}">
-                <a16:creationId xmlns:a16="http://schemas.microsoft.com/office/drawing/2014/main" id="{7086C152-B806-CF1B-0976-1C156AB011A3}"/>
-              </a:ext>
-            </a:extLst>
-          </p:cNvPr>
-          <p:cNvSpPr>
-            <a:spLocks noGrp="1"/>
-          </p:cNvSpPr>
-          <p:nvPr>
-            <p:ph idx="1"/>
-          </p:nvPr>
-        </p:nvSpPr>
-        <p:spPr/>
-        <p:txBody>
-          <a:bodyPr/>
-          <a:lstStyle/>
-          <a:p>
-            <a:endParaRPr lang="en-US"/>
-          </a:p>
-        </p:txBody>
-      </p:sp>
-    </p:spTree>
-    <p:extLst>
-      <p:ext uri="{BB962C8B-B14F-4D97-AF65-F5344CB8AC3E}">
-        <p14:creationId xmlns:p14="http://schemas.microsoft.com/office/powerpoint/2010/main" val="918223584"/>
-      </p:ext>
-    </p:extLst>
-  </p:cSld>
-  <p:clrMapOvr>
-    <a:masterClrMapping/>
-  </p:clrMapOvr>
-  <mc:AlternateContent xmlns:mc="http://schemas.openxmlformats.org/markup-compatibility/2006" xmlns:p14="http://schemas.microsoft.com/office/powerpoint/2010/main">
-    <mc:Choice Requires="p14">
-      <p:transition spd="slow" p14:dur="1500">
-        <p:split orient="vert"/>
-      </p:transition>
-    </mc:Choice>
-    <mc:Fallback xmlns="">
-      <p:transition spd="slow">
-        <p:split orient="vert"/>
-      </p:transition>
-    </mc:Fallback>
-  </mc:AlternateContent>
-</p:sld>
-</file>
-
-<file path=ppt/slides/slide37.xml><?xml version="1.0" encoding="utf-8"?>
-<p:sld xmlns:a="http://schemas.openxmlformats.org/drawingml/2006/main" xmlns:r="http://schemas.openxmlformats.org/officeDocument/2006/relationships" xmlns:p="http://schemas.openxmlformats.org/presentationml/2006/main">
-  <p:cSld>
-    <p:spTree>
-      <p:nvGrpSpPr>
-        <p:cNvPr id="1" name=""/>
-        <p:cNvGrpSpPr/>
-        <p:nvPr/>
-      </p:nvGrpSpPr>
-      <p:grpSpPr>
-        <a:xfrm>
-          <a:off x="0" y="0"/>
-          <a:ext cx="0" cy="0"/>
-          <a:chOff x="0" y="0"/>
-          <a:chExt cx="0" cy="0"/>
-        </a:xfrm>
-      </p:grpSpPr>
-      <p:sp>
-        <p:nvSpPr>
-          <p:cNvPr id="2" name="Title 1">
-            <a:extLst>
-              <a:ext uri="{FF2B5EF4-FFF2-40B4-BE49-F238E27FC236}">
                 <a16:creationId xmlns:a16="http://schemas.microsoft.com/office/drawing/2014/main" id="{E223CDC0-56AF-8343-9FB6-B3FC99260E2C}"/>
               </a:ext>
             </a:extLst>
@@ -8642,203 +8035,7 @@
     </p:spTree>
     <p:extLst>
       <p:ext uri="{BB962C8B-B14F-4D97-AF65-F5344CB8AC3E}">
-        <p14:creationId xmlns:p14="http://schemas.microsoft.com/office/powerpoint/2010/main" val="83218272"/>
-      </p:ext>
-    </p:extLst>
-  </p:cSld>
-  <p:clrMapOvr>
-    <a:masterClrMapping/>
-  </p:clrMapOvr>
-  <mc:AlternateContent xmlns:mc="http://schemas.openxmlformats.org/markup-compatibility/2006" xmlns:p14="http://schemas.microsoft.com/office/powerpoint/2010/main">
-    <mc:Choice Requires="p14">
-      <p:transition spd="slow" p14:dur="1500">
-        <p:split orient="vert"/>
-      </p:transition>
-    </mc:Choice>
-    <mc:Fallback xmlns="">
-      <p:transition spd="slow">
-        <p:split orient="vert"/>
-      </p:transition>
-    </mc:Fallback>
-  </mc:AlternateContent>
-</p:sld>
-</file>
-
-<file path=ppt/slides/slide38.xml><?xml version="1.0" encoding="utf-8"?>
-<p:sld xmlns:a="http://schemas.openxmlformats.org/drawingml/2006/main" xmlns:r="http://schemas.openxmlformats.org/officeDocument/2006/relationships" xmlns:p="http://schemas.openxmlformats.org/presentationml/2006/main">
-  <p:cSld>
-    <p:spTree>
-      <p:nvGrpSpPr>
-        <p:cNvPr id="1" name=""/>
-        <p:cNvGrpSpPr/>
-        <p:nvPr/>
-      </p:nvGrpSpPr>
-      <p:grpSpPr>
-        <a:xfrm>
-          <a:off x="0" y="0"/>
-          <a:ext cx="0" cy="0"/>
-          <a:chOff x="0" y="0"/>
-          <a:chExt cx="0" cy="0"/>
-        </a:xfrm>
-      </p:grpSpPr>
-      <p:sp>
-        <p:nvSpPr>
-          <p:cNvPr id="2" name="Title 1">
-            <a:extLst>
-              <a:ext uri="{FF2B5EF4-FFF2-40B4-BE49-F238E27FC236}">
-                <a16:creationId xmlns:a16="http://schemas.microsoft.com/office/drawing/2014/main" id="{E223CDC0-56AF-8343-9FB6-B3FC99260E2C}"/>
-              </a:ext>
-            </a:extLst>
-          </p:cNvPr>
-          <p:cNvSpPr>
-            <a:spLocks noGrp="1"/>
-          </p:cNvSpPr>
-          <p:nvPr>
-            <p:ph type="title"/>
-          </p:nvPr>
-        </p:nvSpPr>
-        <p:spPr/>
-        <p:txBody>
-          <a:bodyPr>
-            <a:noAutofit/>
-          </a:bodyPr>
-          <a:lstStyle/>
-          <a:p>
-            <a:pPr algn="ctr"/>
-            <a:endParaRPr lang="en-US" sz="4000" b="1" u="sng" dirty="0">
-              <a:latin typeface="Times New Roman" panose="02020603050405020304" pitchFamily="18" charset="0"/>
-              <a:cs typeface="Times New Roman" panose="02020603050405020304" pitchFamily="18" charset="0"/>
-            </a:endParaRPr>
-          </a:p>
-        </p:txBody>
-      </p:sp>
-      <p:sp>
-        <p:nvSpPr>
-          <p:cNvPr id="3" name="Content Placeholder 2">
-            <a:extLst>
-              <a:ext uri="{FF2B5EF4-FFF2-40B4-BE49-F238E27FC236}">
-                <a16:creationId xmlns:a16="http://schemas.microsoft.com/office/drawing/2014/main" id="{B6C5E941-8672-FFCE-504A-AE940BE9F6DA}"/>
-              </a:ext>
-            </a:extLst>
-          </p:cNvPr>
-          <p:cNvSpPr>
-            <a:spLocks noGrp="1"/>
-          </p:cNvSpPr>
-          <p:nvPr>
-            <p:ph idx="1"/>
-          </p:nvPr>
-        </p:nvSpPr>
-        <p:spPr/>
-        <p:txBody>
-          <a:bodyPr/>
-          <a:lstStyle/>
-          <a:p>
-            <a:endParaRPr lang="en-US"/>
-          </a:p>
-        </p:txBody>
-      </p:sp>
-    </p:spTree>
-    <p:extLst>
-      <p:ext uri="{BB962C8B-B14F-4D97-AF65-F5344CB8AC3E}">
-        <p14:creationId xmlns:p14="http://schemas.microsoft.com/office/powerpoint/2010/main" val="3157869238"/>
-      </p:ext>
-    </p:extLst>
-  </p:cSld>
-  <p:clrMapOvr>
-    <a:masterClrMapping/>
-  </p:clrMapOvr>
-  <mc:AlternateContent xmlns:mc="http://schemas.openxmlformats.org/markup-compatibility/2006" xmlns:p14="http://schemas.microsoft.com/office/powerpoint/2010/main">
-    <mc:Choice Requires="p14">
-      <p:transition spd="slow" p14:dur="1500">
-        <p:split orient="vert"/>
-      </p:transition>
-    </mc:Choice>
-    <mc:Fallback xmlns="">
-      <p:transition spd="slow">
-        <p:split orient="vert"/>
-      </p:transition>
-    </mc:Fallback>
-  </mc:AlternateContent>
-</p:sld>
-</file>
-
-<file path=ppt/slides/slide39.xml><?xml version="1.0" encoding="utf-8"?>
-<p:sld xmlns:a="http://schemas.openxmlformats.org/drawingml/2006/main" xmlns:r="http://schemas.openxmlformats.org/officeDocument/2006/relationships" xmlns:p="http://schemas.openxmlformats.org/presentationml/2006/main">
-  <p:cSld>
-    <p:spTree>
-      <p:nvGrpSpPr>
-        <p:cNvPr id="1" name=""/>
-        <p:cNvGrpSpPr/>
-        <p:nvPr/>
-      </p:nvGrpSpPr>
-      <p:grpSpPr>
-        <a:xfrm>
-          <a:off x="0" y="0"/>
-          <a:ext cx="0" cy="0"/>
-          <a:chOff x="0" y="0"/>
-          <a:chExt cx="0" cy="0"/>
-        </a:xfrm>
-      </p:grpSpPr>
-      <p:sp>
-        <p:nvSpPr>
-          <p:cNvPr id="2" name="Title 1">
-            <a:extLst>
-              <a:ext uri="{FF2B5EF4-FFF2-40B4-BE49-F238E27FC236}">
-                <a16:creationId xmlns:a16="http://schemas.microsoft.com/office/drawing/2014/main" id="{E223CDC0-56AF-8343-9FB6-B3FC99260E2C}"/>
-              </a:ext>
-            </a:extLst>
-          </p:cNvPr>
-          <p:cNvSpPr>
-            <a:spLocks noGrp="1"/>
-          </p:cNvSpPr>
-          <p:nvPr>
-            <p:ph type="title"/>
-          </p:nvPr>
-        </p:nvSpPr>
-        <p:spPr/>
-        <p:txBody>
-          <a:bodyPr>
-            <a:noAutofit/>
-          </a:bodyPr>
-          <a:lstStyle/>
-          <a:p>
-            <a:pPr algn="ctr"/>
-            <a:endParaRPr lang="en-US" sz="4000" b="1" u="sng" dirty="0">
-              <a:latin typeface="Times New Roman" panose="02020603050405020304" pitchFamily="18" charset="0"/>
-              <a:cs typeface="Times New Roman" panose="02020603050405020304" pitchFamily="18" charset="0"/>
-            </a:endParaRPr>
-          </a:p>
-        </p:txBody>
-      </p:sp>
-      <p:sp>
-        <p:nvSpPr>
-          <p:cNvPr id="3" name="Content Placeholder 2">
-            <a:extLst>
-              <a:ext uri="{FF2B5EF4-FFF2-40B4-BE49-F238E27FC236}">
-                <a16:creationId xmlns:a16="http://schemas.microsoft.com/office/drawing/2014/main" id="{B6C5E941-8672-FFCE-504A-AE940BE9F6DA}"/>
-              </a:ext>
-            </a:extLst>
-          </p:cNvPr>
-          <p:cNvSpPr>
-            <a:spLocks noGrp="1"/>
-          </p:cNvSpPr>
-          <p:nvPr>
-            <p:ph idx="1"/>
-          </p:nvPr>
-        </p:nvSpPr>
-        <p:spPr/>
-        <p:txBody>
-          <a:bodyPr/>
-          <a:lstStyle/>
-          <a:p>
-            <a:endParaRPr lang="en-US"/>
-          </a:p>
-        </p:txBody>
-      </p:sp>
-    </p:spTree>
-    <p:extLst>
-      <p:ext uri="{BB962C8B-B14F-4D97-AF65-F5344CB8AC3E}">
-        <p14:creationId xmlns:p14="http://schemas.microsoft.com/office/powerpoint/2010/main" val="23624832"/>
+        <p14:creationId xmlns:p14="http://schemas.microsoft.com/office/powerpoint/2010/main" val="499422743"/>
       </p:ext>
     </p:extLst>
   </p:cSld>
@@ -8902,23 +8099,12 @@
           <a:p>
             <a:pPr algn="ctr"/>
             <a:r>
-              <a:rPr lang="en-IN" sz="3200" b="1" i="0" u="sng" dirty="0">
-                <a:solidFill>
-                  <a:srgbClr val="1F2328"/>
-                </a:solidFill>
-                <a:effectLst/>
-                <a:highlight>
-                  <a:srgbClr val="FFFFFF"/>
-                </a:highlight>
+              <a:rPr lang="en-US" sz="2400" b="1" u="sng" dirty="0">
                 <a:latin typeface="Times New Roman" panose="02020603050405020304" pitchFamily="18" charset="0"/>
                 <a:cs typeface="Times New Roman" panose="02020603050405020304" pitchFamily="18" charset="0"/>
               </a:rPr>
-              <a:t>Explain the difference between == and equals() in Java.</a:t>
-            </a:r>
-            <a:endParaRPr lang="en-US" sz="3200" u="sng" dirty="0">
-              <a:latin typeface="Times New Roman" panose="02020603050405020304" pitchFamily="18" charset="0"/>
-              <a:cs typeface="Times New Roman" panose="02020603050405020304" pitchFamily="18" charset="0"/>
-            </a:endParaRPr>
+              <a:t>2. What are the main principles of Object-Oriented Programming (OOP)?</a:t>
+            </a:r>
           </a:p>
         </p:txBody>
       </p:sp>
@@ -8943,406 +8129,14 @@
           <a:bodyPr/>
           <a:lstStyle/>
           <a:p>
-            <a:endParaRPr lang="en-US" dirty="0"/>
+            <a:endParaRPr lang="en-US"/>
           </a:p>
         </p:txBody>
       </p:sp>
     </p:spTree>
     <p:extLst>
       <p:ext uri="{BB962C8B-B14F-4D97-AF65-F5344CB8AC3E}">
-        <p14:creationId xmlns:p14="http://schemas.microsoft.com/office/powerpoint/2010/main" val="3178870381"/>
-      </p:ext>
-    </p:extLst>
-  </p:cSld>
-  <p:clrMapOvr>
-    <a:masterClrMapping/>
-  </p:clrMapOvr>
-  <mc:AlternateContent xmlns:mc="http://schemas.openxmlformats.org/markup-compatibility/2006" xmlns:p14="http://schemas.microsoft.com/office/powerpoint/2010/main">
-    <mc:Choice Requires="p14">
-      <p:transition spd="slow" p14:dur="1500">
-        <p:split orient="vert"/>
-      </p:transition>
-    </mc:Choice>
-    <mc:Fallback xmlns="">
-      <p:transition spd="slow">
-        <p:split orient="vert"/>
-      </p:transition>
-    </mc:Fallback>
-  </mc:AlternateContent>
-</p:sld>
-</file>
-
-<file path=ppt/slides/slide40.xml><?xml version="1.0" encoding="utf-8"?>
-<p:sld xmlns:a="http://schemas.openxmlformats.org/drawingml/2006/main" xmlns:r="http://schemas.openxmlformats.org/officeDocument/2006/relationships" xmlns:p="http://schemas.openxmlformats.org/presentationml/2006/main">
-  <p:cSld>
-    <p:spTree>
-      <p:nvGrpSpPr>
-        <p:cNvPr id="1" name=""/>
-        <p:cNvGrpSpPr/>
-        <p:nvPr/>
-      </p:nvGrpSpPr>
-      <p:grpSpPr>
-        <a:xfrm>
-          <a:off x="0" y="0"/>
-          <a:ext cx="0" cy="0"/>
-          <a:chOff x="0" y="0"/>
-          <a:chExt cx="0" cy="0"/>
-        </a:xfrm>
-      </p:grpSpPr>
-      <p:sp>
-        <p:nvSpPr>
-          <p:cNvPr id="2" name="Title 1">
-            <a:extLst>
-              <a:ext uri="{FF2B5EF4-FFF2-40B4-BE49-F238E27FC236}">
-                <a16:creationId xmlns:a16="http://schemas.microsoft.com/office/drawing/2014/main" id="{E223CDC0-56AF-8343-9FB6-B3FC99260E2C}"/>
-              </a:ext>
-            </a:extLst>
-          </p:cNvPr>
-          <p:cNvSpPr>
-            <a:spLocks noGrp="1"/>
-          </p:cNvSpPr>
-          <p:nvPr>
-            <p:ph type="title"/>
-          </p:nvPr>
-        </p:nvSpPr>
-        <p:spPr/>
-        <p:txBody>
-          <a:bodyPr>
-            <a:noAutofit/>
-          </a:bodyPr>
-          <a:lstStyle/>
-          <a:p>
-            <a:pPr algn="ctr"/>
-            <a:endParaRPr lang="en-US" sz="4000" b="1" u="sng" dirty="0">
-              <a:latin typeface="Times New Roman" panose="02020603050405020304" pitchFamily="18" charset="0"/>
-              <a:cs typeface="Times New Roman" panose="02020603050405020304" pitchFamily="18" charset="0"/>
-            </a:endParaRPr>
-          </a:p>
-        </p:txBody>
-      </p:sp>
-      <p:sp>
-        <p:nvSpPr>
-          <p:cNvPr id="3" name="Content Placeholder 2">
-            <a:extLst>
-              <a:ext uri="{FF2B5EF4-FFF2-40B4-BE49-F238E27FC236}">
-                <a16:creationId xmlns:a16="http://schemas.microsoft.com/office/drawing/2014/main" id="{B6C5E941-8672-FFCE-504A-AE940BE9F6DA}"/>
-              </a:ext>
-            </a:extLst>
-          </p:cNvPr>
-          <p:cNvSpPr>
-            <a:spLocks noGrp="1"/>
-          </p:cNvSpPr>
-          <p:nvPr>
-            <p:ph idx="1"/>
-          </p:nvPr>
-        </p:nvSpPr>
-        <p:spPr/>
-        <p:txBody>
-          <a:bodyPr/>
-          <a:lstStyle/>
-          <a:p>
-            <a:endParaRPr lang="en-US"/>
-          </a:p>
-        </p:txBody>
-      </p:sp>
-    </p:spTree>
-    <p:extLst>
-      <p:ext uri="{BB962C8B-B14F-4D97-AF65-F5344CB8AC3E}">
-        <p14:creationId xmlns:p14="http://schemas.microsoft.com/office/powerpoint/2010/main" val="3354643725"/>
-      </p:ext>
-    </p:extLst>
-  </p:cSld>
-  <p:clrMapOvr>
-    <a:masterClrMapping/>
-  </p:clrMapOvr>
-  <mc:AlternateContent xmlns:mc="http://schemas.openxmlformats.org/markup-compatibility/2006" xmlns:p14="http://schemas.microsoft.com/office/powerpoint/2010/main">
-    <mc:Choice Requires="p14">
-      <p:transition spd="slow" p14:dur="1500">
-        <p:split orient="vert"/>
-      </p:transition>
-    </mc:Choice>
-    <mc:Fallback xmlns="">
-      <p:transition spd="slow">
-        <p:split orient="vert"/>
-      </p:transition>
-    </mc:Fallback>
-  </mc:AlternateContent>
-</p:sld>
-</file>
-
-<file path=ppt/slides/slide41.xml><?xml version="1.0" encoding="utf-8"?>
-<p:sld xmlns:a="http://schemas.openxmlformats.org/drawingml/2006/main" xmlns:r="http://schemas.openxmlformats.org/officeDocument/2006/relationships" xmlns:p="http://schemas.openxmlformats.org/presentationml/2006/main">
-  <p:cSld>
-    <p:spTree>
-      <p:nvGrpSpPr>
-        <p:cNvPr id="1" name=""/>
-        <p:cNvGrpSpPr/>
-        <p:nvPr/>
-      </p:nvGrpSpPr>
-      <p:grpSpPr>
-        <a:xfrm>
-          <a:off x="0" y="0"/>
-          <a:ext cx="0" cy="0"/>
-          <a:chOff x="0" y="0"/>
-          <a:chExt cx="0" cy="0"/>
-        </a:xfrm>
-      </p:grpSpPr>
-      <p:sp>
-        <p:nvSpPr>
-          <p:cNvPr id="2" name="Title 1">
-            <a:extLst>
-              <a:ext uri="{FF2B5EF4-FFF2-40B4-BE49-F238E27FC236}">
-                <a16:creationId xmlns:a16="http://schemas.microsoft.com/office/drawing/2014/main" id="{E223CDC0-56AF-8343-9FB6-B3FC99260E2C}"/>
-              </a:ext>
-            </a:extLst>
-          </p:cNvPr>
-          <p:cNvSpPr>
-            <a:spLocks noGrp="1"/>
-          </p:cNvSpPr>
-          <p:nvPr>
-            <p:ph type="title"/>
-          </p:nvPr>
-        </p:nvSpPr>
-        <p:spPr/>
-        <p:txBody>
-          <a:bodyPr>
-            <a:noAutofit/>
-          </a:bodyPr>
-          <a:lstStyle/>
-          <a:p>
-            <a:pPr algn="ctr"/>
-            <a:endParaRPr lang="en-US" sz="4000" b="1" u="sng" dirty="0">
-              <a:latin typeface="Times New Roman" panose="02020603050405020304" pitchFamily="18" charset="0"/>
-              <a:cs typeface="Times New Roman" panose="02020603050405020304" pitchFamily="18" charset="0"/>
-            </a:endParaRPr>
-          </a:p>
-        </p:txBody>
-      </p:sp>
-      <p:sp>
-        <p:nvSpPr>
-          <p:cNvPr id="3" name="Content Placeholder 2">
-            <a:extLst>
-              <a:ext uri="{FF2B5EF4-FFF2-40B4-BE49-F238E27FC236}">
-                <a16:creationId xmlns:a16="http://schemas.microsoft.com/office/drawing/2014/main" id="{B6C5E941-8672-FFCE-504A-AE940BE9F6DA}"/>
-              </a:ext>
-            </a:extLst>
-          </p:cNvPr>
-          <p:cNvSpPr>
-            <a:spLocks noGrp="1"/>
-          </p:cNvSpPr>
-          <p:nvPr>
-            <p:ph idx="1"/>
-          </p:nvPr>
-        </p:nvSpPr>
-        <p:spPr/>
-        <p:txBody>
-          <a:bodyPr/>
-          <a:lstStyle/>
-          <a:p>
-            <a:endParaRPr lang="en-US"/>
-          </a:p>
-        </p:txBody>
-      </p:sp>
-    </p:spTree>
-    <p:extLst>
-      <p:ext uri="{BB962C8B-B14F-4D97-AF65-F5344CB8AC3E}">
-        <p14:creationId xmlns:p14="http://schemas.microsoft.com/office/powerpoint/2010/main" val="1074296538"/>
-      </p:ext>
-    </p:extLst>
-  </p:cSld>
-  <p:clrMapOvr>
-    <a:masterClrMapping/>
-  </p:clrMapOvr>
-  <mc:AlternateContent xmlns:mc="http://schemas.openxmlformats.org/markup-compatibility/2006" xmlns:p14="http://schemas.microsoft.com/office/powerpoint/2010/main">
-    <mc:Choice Requires="p14">
-      <p:transition spd="slow" p14:dur="1500">
-        <p:split orient="vert"/>
-      </p:transition>
-    </mc:Choice>
-    <mc:Fallback xmlns="">
-      <p:transition spd="slow">
-        <p:split orient="vert"/>
-      </p:transition>
-    </mc:Fallback>
-  </mc:AlternateContent>
-</p:sld>
-</file>
-
-<file path=ppt/slides/slide42.xml><?xml version="1.0" encoding="utf-8"?>
-<p:sld xmlns:a="http://schemas.openxmlformats.org/drawingml/2006/main" xmlns:r="http://schemas.openxmlformats.org/officeDocument/2006/relationships" xmlns:p="http://schemas.openxmlformats.org/presentationml/2006/main">
-  <p:cSld>
-    <p:spTree>
-      <p:nvGrpSpPr>
-        <p:cNvPr id="1" name=""/>
-        <p:cNvGrpSpPr/>
-        <p:nvPr/>
-      </p:nvGrpSpPr>
-      <p:grpSpPr>
-        <a:xfrm>
-          <a:off x="0" y="0"/>
-          <a:ext cx="0" cy="0"/>
-          <a:chOff x="0" y="0"/>
-          <a:chExt cx="0" cy="0"/>
-        </a:xfrm>
-      </p:grpSpPr>
-      <p:sp>
-        <p:nvSpPr>
-          <p:cNvPr id="2" name="Title 1">
-            <a:extLst>
-              <a:ext uri="{FF2B5EF4-FFF2-40B4-BE49-F238E27FC236}">
-                <a16:creationId xmlns:a16="http://schemas.microsoft.com/office/drawing/2014/main" id="{E223CDC0-56AF-8343-9FB6-B3FC99260E2C}"/>
-              </a:ext>
-            </a:extLst>
-          </p:cNvPr>
-          <p:cNvSpPr>
-            <a:spLocks noGrp="1"/>
-          </p:cNvSpPr>
-          <p:nvPr>
-            <p:ph type="title"/>
-          </p:nvPr>
-        </p:nvSpPr>
-        <p:spPr/>
-        <p:txBody>
-          <a:bodyPr>
-            <a:noAutofit/>
-          </a:bodyPr>
-          <a:lstStyle/>
-          <a:p>
-            <a:pPr algn="ctr"/>
-            <a:endParaRPr lang="en-US" sz="4000" b="1" u="sng" dirty="0">
-              <a:latin typeface="Times New Roman" panose="02020603050405020304" pitchFamily="18" charset="0"/>
-              <a:cs typeface="Times New Roman" panose="02020603050405020304" pitchFamily="18" charset="0"/>
-            </a:endParaRPr>
-          </a:p>
-        </p:txBody>
-      </p:sp>
-      <p:sp>
-        <p:nvSpPr>
-          <p:cNvPr id="3" name="Content Placeholder 2">
-            <a:extLst>
-              <a:ext uri="{FF2B5EF4-FFF2-40B4-BE49-F238E27FC236}">
-                <a16:creationId xmlns:a16="http://schemas.microsoft.com/office/drawing/2014/main" id="{B6C5E941-8672-FFCE-504A-AE940BE9F6DA}"/>
-              </a:ext>
-            </a:extLst>
-          </p:cNvPr>
-          <p:cNvSpPr>
-            <a:spLocks noGrp="1"/>
-          </p:cNvSpPr>
-          <p:nvPr>
-            <p:ph idx="1"/>
-          </p:nvPr>
-        </p:nvSpPr>
-        <p:spPr/>
-        <p:txBody>
-          <a:bodyPr/>
-          <a:lstStyle/>
-          <a:p>
-            <a:endParaRPr lang="en-US"/>
-          </a:p>
-        </p:txBody>
-      </p:sp>
-    </p:spTree>
-    <p:extLst>
-      <p:ext uri="{BB962C8B-B14F-4D97-AF65-F5344CB8AC3E}">
-        <p14:creationId xmlns:p14="http://schemas.microsoft.com/office/powerpoint/2010/main" val="3709588867"/>
-      </p:ext>
-    </p:extLst>
-  </p:cSld>
-  <p:clrMapOvr>
-    <a:masterClrMapping/>
-  </p:clrMapOvr>
-  <mc:AlternateContent xmlns:mc="http://schemas.openxmlformats.org/markup-compatibility/2006" xmlns:p14="http://schemas.microsoft.com/office/powerpoint/2010/main">
-    <mc:Choice Requires="p14">
-      <p:transition spd="slow" p14:dur="1500">
-        <p:split orient="vert"/>
-      </p:transition>
-    </mc:Choice>
-    <mc:Fallback xmlns="">
-      <p:transition spd="slow">
-        <p:split orient="vert"/>
-      </p:transition>
-    </mc:Fallback>
-  </mc:AlternateContent>
-</p:sld>
-</file>
-
-<file path=ppt/slides/slide43.xml><?xml version="1.0" encoding="utf-8"?>
-<p:sld xmlns:a="http://schemas.openxmlformats.org/drawingml/2006/main" xmlns:r="http://schemas.openxmlformats.org/officeDocument/2006/relationships" xmlns:p="http://schemas.openxmlformats.org/presentationml/2006/main">
-  <p:cSld>
-    <p:spTree>
-      <p:nvGrpSpPr>
-        <p:cNvPr id="1" name=""/>
-        <p:cNvGrpSpPr/>
-        <p:nvPr/>
-      </p:nvGrpSpPr>
-      <p:grpSpPr>
-        <a:xfrm>
-          <a:off x="0" y="0"/>
-          <a:ext cx="0" cy="0"/>
-          <a:chOff x="0" y="0"/>
-          <a:chExt cx="0" cy="0"/>
-        </a:xfrm>
-      </p:grpSpPr>
-      <p:sp>
-        <p:nvSpPr>
-          <p:cNvPr id="2" name="Title 1">
-            <a:extLst>
-              <a:ext uri="{FF2B5EF4-FFF2-40B4-BE49-F238E27FC236}">
-                <a16:creationId xmlns:a16="http://schemas.microsoft.com/office/drawing/2014/main" id="{E223CDC0-56AF-8343-9FB6-B3FC99260E2C}"/>
-              </a:ext>
-            </a:extLst>
-          </p:cNvPr>
-          <p:cNvSpPr>
-            <a:spLocks noGrp="1"/>
-          </p:cNvSpPr>
-          <p:nvPr>
-            <p:ph type="title"/>
-          </p:nvPr>
-        </p:nvSpPr>
-        <p:spPr/>
-        <p:txBody>
-          <a:bodyPr>
-            <a:noAutofit/>
-          </a:bodyPr>
-          <a:lstStyle/>
-          <a:p>
-            <a:pPr algn="ctr"/>
-            <a:endParaRPr lang="en-US" sz="4000" b="1" u="sng" dirty="0">
-              <a:latin typeface="Times New Roman" panose="02020603050405020304" pitchFamily="18" charset="0"/>
-              <a:cs typeface="Times New Roman" panose="02020603050405020304" pitchFamily="18" charset="0"/>
-            </a:endParaRPr>
-          </a:p>
-        </p:txBody>
-      </p:sp>
-      <p:sp>
-        <p:nvSpPr>
-          <p:cNvPr id="3" name="Content Placeholder 2">
-            <a:extLst>
-              <a:ext uri="{FF2B5EF4-FFF2-40B4-BE49-F238E27FC236}">
-                <a16:creationId xmlns:a16="http://schemas.microsoft.com/office/drawing/2014/main" id="{B6C5E941-8672-FFCE-504A-AE940BE9F6DA}"/>
-              </a:ext>
-            </a:extLst>
-          </p:cNvPr>
-          <p:cNvSpPr>
-            <a:spLocks noGrp="1"/>
-          </p:cNvSpPr>
-          <p:nvPr>
-            <p:ph idx="1"/>
-          </p:nvPr>
-        </p:nvSpPr>
-        <p:spPr/>
-        <p:txBody>
-          <a:bodyPr/>
-          <a:lstStyle/>
-          <a:p>
-            <a:endParaRPr lang="en-US"/>
-          </a:p>
-        </p:txBody>
-      </p:sp>
-    </p:spTree>
-    <p:extLst>
-      <p:ext uri="{BB962C8B-B14F-4D97-AF65-F5344CB8AC3E}">
-        <p14:creationId xmlns:p14="http://schemas.microsoft.com/office/powerpoint/2010/main" val="499422743"/>
+        <p14:creationId xmlns:p14="http://schemas.microsoft.com/office/powerpoint/2010/main" val="3740801367"/>
       </p:ext>
     </p:extLst>
   </p:cSld>
@@ -9406,11 +8200,11 @@
           <a:p>
             <a:pPr algn="ctr"/>
             <a:r>
-              <a:rPr lang="en-US" sz="2400" b="1" u="sng" dirty="0">
+              <a:rPr lang="en-US" sz="3200" b="1" u="sng" dirty="0">
                 <a:latin typeface="Times New Roman" panose="02020603050405020304" pitchFamily="18" charset="0"/>
                 <a:cs typeface="Times New Roman" panose="02020603050405020304" pitchFamily="18" charset="0"/>
               </a:rPr>
-              <a:t>2. What are the main principles of Object-Oriented Programming (OOP)?</a:t>
+              <a:t>3. Describe how Java handles memory management and garbage collection.</a:t>
             </a:r>
           </a:p>
         </p:txBody>
@@ -9443,7 +8237,7 @@
     </p:spTree>
     <p:extLst>
       <p:ext uri="{BB962C8B-B14F-4D97-AF65-F5344CB8AC3E}">
-        <p14:creationId xmlns:p14="http://schemas.microsoft.com/office/powerpoint/2010/main" val="3740801367"/>
+        <p14:creationId xmlns:p14="http://schemas.microsoft.com/office/powerpoint/2010/main" val="254894122"/>
       </p:ext>
     </p:extLst>
   </p:cSld>
@@ -9511,7 +8305,7 @@
                 <a:latin typeface="Times New Roman" panose="02020603050405020304" pitchFamily="18" charset="0"/>
                 <a:cs typeface="Times New Roman" panose="02020603050405020304" pitchFamily="18" charset="0"/>
               </a:rPr>
-              <a:t>3. Describe how Java handles memory management and garbage collection.</a:t>
+              <a:t>4. Can you explain the final, finally, and finalize keywords in Java?</a:t>
             </a:r>
           </a:p>
         </p:txBody>
@@ -9544,7 +8338,7 @@
     </p:spTree>
     <p:extLst>
       <p:ext uri="{BB962C8B-B14F-4D97-AF65-F5344CB8AC3E}">
-        <p14:creationId xmlns:p14="http://schemas.microsoft.com/office/powerpoint/2010/main" val="254894122"/>
+        <p14:creationId xmlns:p14="http://schemas.microsoft.com/office/powerpoint/2010/main" val="3572881148"/>
       </p:ext>
     </p:extLst>
   </p:cSld>
@@ -9612,7 +8406,7 @@
                 <a:latin typeface="Times New Roman" panose="02020603050405020304" pitchFamily="18" charset="0"/>
                 <a:cs typeface="Times New Roman" panose="02020603050405020304" pitchFamily="18" charset="0"/>
               </a:rPr>
-              <a:t>4. Can you explain the final, finally, and finalize keywords in Java?</a:t>
+              <a:t>5. Describe how a HashMap works internally in Java.</a:t>
             </a:r>
           </a:p>
         </p:txBody>
@@ -9645,7 +8439,7 @@
     </p:spTree>
     <p:extLst>
       <p:ext uri="{BB962C8B-B14F-4D97-AF65-F5344CB8AC3E}">
-        <p14:creationId xmlns:p14="http://schemas.microsoft.com/office/powerpoint/2010/main" val="3572881148"/>
+        <p14:creationId xmlns:p14="http://schemas.microsoft.com/office/powerpoint/2010/main" val="2707081383"/>
       </p:ext>
     </p:extLst>
   </p:cSld>
@@ -9703,7 +8497,7 @@
         <p:spPr/>
         <p:txBody>
           <a:bodyPr>
-            <a:normAutofit/>
+            <a:normAutofit fontScale="90000"/>
           </a:bodyPr>
           <a:lstStyle/>
           <a:p>
@@ -9713,8 +8507,32 @@
                 <a:latin typeface="Times New Roman" panose="02020603050405020304" pitchFamily="18" charset="0"/>
                 <a:cs typeface="Times New Roman" panose="02020603050405020304" pitchFamily="18" charset="0"/>
               </a:rPr>
-              <a:t>5. Describe how a HashMap works internally in Java.</a:t>
-            </a:r>
+              <a:t>6. What is the difference between an </a:t>
+            </a:r>
+            <a:r>
+              <a:rPr lang="en-US" sz="3200" b="1" u="sng" dirty="0" err="1">
+                <a:latin typeface="Times New Roman" panose="02020603050405020304" pitchFamily="18" charset="0"/>
+                <a:cs typeface="Times New Roman" panose="02020603050405020304" pitchFamily="18" charset="0"/>
+              </a:rPr>
+              <a:t>ArrayList</a:t>
+            </a:r>
+            <a:r>
+              <a:rPr lang="en-US" sz="3200" b="1" u="sng" dirty="0">
+                <a:latin typeface="Times New Roman" panose="02020603050405020304" pitchFamily="18" charset="0"/>
+                <a:cs typeface="Times New Roman" panose="02020603050405020304" pitchFamily="18" charset="0"/>
+              </a:rPr>
+              <a:t> and a LinkedList?</a:t>
+            </a:r>
+            <a:br>
+              <a:rPr lang="en-US" sz="3200" b="1" u="sng" dirty="0">
+                <a:latin typeface="Times New Roman" panose="02020603050405020304" pitchFamily="18" charset="0"/>
+                <a:cs typeface="Times New Roman" panose="02020603050405020304" pitchFamily="18" charset="0"/>
+              </a:rPr>
+            </a:br>
+            <a:endParaRPr lang="en-US" sz="3200" b="1" u="sng" dirty="0">
+              <a:latin typeface="Times New Roman" panose="02020603050405020304" pitchFamily="18" charset="0"/>
+              <a:cs typeface="Times New Roman" panose="02020603050405020304" pitchFamily="18" charset="0"/>
+            </a:endParaRPr>
           </a:p>
         </p:txBody>
       </p:sp>
@@ -9746,7 +8564,7 @@
     </p:spTree>
     <p:extLst>
       <p:ext uri="{BB962C8B-B14F-4D97-AF65-F5344CB8AC3E}">
-        <p14:creationId xmlns:p14="http://schemas.microsoft.com/office/powerpoint/2010/main" val="2707081383"/>
+        <p14:creationId xmlns:p14="http://schemas.microsoft.com/office/powerpoint/2010/main" val="2596066957"/>
       </p:ext>
     </p:extLst>
   </p:cSld>
@@ -9814,21 +8632,7 @@
                 <a:latin typeface="Times New Roman" panose="02020603050405020304" pitchFamily="18" charset="0"/>
                 <a:cs typeface="Times New Roman" panose="02020603050405020304" pitchFamily="18" charset="0"/>
               </a:rPr>
-              <a:t>6. What is the difference between an </a:t>
-            </a:r>
-            <a:r>
-              <a:rPr lang="en-US" sz="3200" b="1" u="sng" dirty="0" err="1">
-                <a:latin typeface="Times New Roman" panose="02020603050405020304" pitchFamily="18" charset="0"/>
-                <a:cs typeface="Times New Roman" panose="02020603050405020304" pitchFamily="18" charset="0"/>
-              </a:rPr>
-              <a:t>ArrayList</a:t>
-            </a:r>
-            <a:r>
-              <a:rPr lang="en-US" sz="3200" b="1" u="sng" dirty="0">
-                <a:latin typeface="Times New Roman" panose="02020603050405020304" pitchFamily="18" charset="0"/>
-                <a:cs typeface="Times New Roman" panose="02020603050405020304" pitchFamily="18" charset="0"/>
-              </a:rPr>
-              <a:t> and a LinkedList?</a:t>
+              <a:t>7. Write a Java method to check if a given string is a palindrome.</a:t>
             </a:r>
             <a:br>
               <a:rPr lang="en-US" sz="3200" b="1" u="sng" dirty="0">
@@ -9871,7 +8675,7 @@
     </p:spTree>
     <p:extLst>
       <p:ext uri="{BB962C8B-B14F-4D97-AF65-F5344CB8AC3E}">
-        <p14:creationId xmlns:p14="http://schemas.microsoft.com/office/powerpoint/2010/main" val="2596066957"/>
+        <p14:creationId xmlns:p14="http://schemas.microsoft.com/office/powerpoint/2010/main" val="1609777527"/>
       </p:ext>
     </p:extLst>
   </p:cSld>
